--- a/judo_homepage_image.pptx
+++ b/judo_homepage_image.pptx
@@ -5,18 +5,17 @@
     <p:sldMasterId id="2147483720" r:id="rId1"/>
   </p:sldMasterIdLst>
   <p:sldIdLst>
-    <p:sldId id="266" r:id="rId2"/>
-    <p:sldId id="267" r:id="rId3"/>
-    <p:sldId id="258" r:id="rId4"/>
-    <p:sldId id="259" r:id="rId5"/>
-    <p:sldId id="260" r:id="rId6"/>
-    <p:sldId id="261" r:id="rId7"/>
-    <p:sldId id="262" r:id="rId8"/>
-    <p:sldId id="263" r:id="rId9"/>
-    <p:sldId id="264" r:id="rId10"/>
-    <p:sldId id="265" r:id="rId11"/>
-    <p:sldId id="268" r:id="rId12"/>
-    <p:sldId id="269" r:id="rId13"/>
+    <p:sldId id="267" r:id="rId2"/>
+    <p:sldId id="258" r:id="rId3"/>
+    <p:sldId id="259" r:id="rId4"/>
+    <p:sldId id="260" r:id="rId5"/>
+    <p:sldId id="261" r:id="rId6"/>
+    <p:sldId id="262" r:id="rId7"/>
+    <p:sldId id="263" r:id="rId8"/>
+    <p:sldId id="264" r:id="rId9"/>
+    <p:sldId id="265" r:id="rId10"/>
+    <p:sldId id="269" r:id="rId11"/>
+    <p:sldId id="270" r:id="rId12"/>
   </p:sldIdLst>
   <p:sldSz cx="12192000" cy="6858000"/>
   <p:notesSz cx="6858000" cy="9144000"/>
@@ -270,7 +269,7 @@
           <a:p>
             <a:fld id="{F96F4559-21F4-4D67-969C-E71FA03C574A}" type="datetimeFigureOut">
               <a:rPr kumimoji="1" lang="ja-JP" altLang="en-US" smtClean="0"/>
-              <a:t>2025/2/22</a:t>
+              <a:t>2025/2/23</a:t>
             </a:fld>
             <a:endParaRPr kumimoji="1" lang="ja-JP" altLang="en-US"/>
           </a:p>
@@ -500,7 +499,7 @@
           <a:p>
             <a:fld id="{F96F4559-21F4-4D67-969C-E71FA03C574A}" type="datetimeFigureOut">
               <a:rPr kumimoji="1" lang="ja-JP" altLang="en-US" smtClean="0"/>
-              <a:t>2025/2/22</a:t>
+              <a:t>2025/2/23</a:t>
             </a:fld>
             <a:endParaRPr kumimoji="1" lang="ja-JP" altLang="en-US"/>
           </a:p>
@@ -740,7 +739,7 @@
           <a:p>
             <a:fld id="{F96F4559-21F4-4D67-969C-E71FA03C574A}" type="datetimeFigureOut">
               <a:rPr kumimoji="1" lang="ja-JP" altLang="en-US" smtClean="0"/>
-              <a:t>2025/2/22</a:t>
+              <a:t>2025/2/23</a:t>
             </a:fld>
             <a:endParaRPr kumimoji="1" lang="ja-JP" altLang="en-US"/>
           </a:p>
@@ -970,7 +969,7 @@
           <a:p>
             <a:fld id="{F96F4559-21F4-4D67-969C-E71FA03C574A}" type="datetimeFigureOut">
               <a:rPr kumimoji="1" lang="ja-JP" altLang="en-US" smtClean="0"/>
-              <a:t>2025/2/22</a:t>
+              <a:t>2025/2/23</a:t>
             </a:fld>
             <a:endParaRPr kumimoji="1" lang="ja-JP" altLang="en-US"/>
           </a:p>
@@ -1245,7 +1244,7 @@
           <a:p>
             <a:fld id="{F96F4559-21F4-4D67-969C-E71FA03C574A}" type="datetimeFigureOut">
               <a:rPr kumimoji="1" lang="ja-JP" altLang="en-US" smtClean="0"/>
-              <a:t>2025/2/22</a:t>
+              <a:t>2025/2/23</a:t>
             </a:fld>
             <a:endParaRPr kumimoji="1" lang="ja-JP" altLang="en-US"/>
           </a:p>
@@ -1574,7 +1573,7 @@
           <a:p>
             <a:fld id="{F96F4559-21F4-4D67-969C-E71FA03C574A}" type="datetimeFigureOut">
               <a:rPr kumimoji="1" lang="ja-JP" altLang="en-US" smtClean="0"/>
-              <a:t>2025/2/22</a:t>
+              <a:t>2025/2/23</a:t>
             </a:fld>
             <a:endParaRPr kumimoji="1" lang="ja-JP" altLang="en-US"/>
           </a:p>
@@ -2050,7 +2049,7 @@
           <a:p>
             <a:fld id="{F96F4559-21F4-4D67-969C-E71FA03C574A}" type="datetimeFigureOut">
               <a:rPr kumimoji="1" lang="ja-JP" altLang="en-US" smtClean="0"/>
-              <a:t>2025/2/22</a:t>
+              <a:t>2025/2/23</a:t>
             </a:fld>
             <a:endParaRPr kumimoji="1" lang="ja-JP" altLang="en-US"/>
           </a:p>
@@ -2191,7 +2190,7 @@
           <a:p>
             <a:fld id="{F96F4559-21F4-4D67-969C-E71FA03C574A}" type="datetimeFigureOut">
               <a:rPr kumimoji="1" lang="ja-JP" altLang="en-US" smtClean="0"/>
-              <a:t>2025/2/22</a:t>
+              <a:t>2025/2/23</a:t>
             </a:fld>
             <a:endParaRPr kumimoji="1" lang="ja-JP" altLang="en-US"/>
           </a:p>
@@ -2304,7 +2303,7 @@
           <a:p>
             <a:fld id="{F96F4559-21F4-4D67-969C-E71FA03C574A}" type="datetimeFigureOut">
               <a:rPr kumimoji="1" lang="ja-JP" altLang="en-US" smtClean="0"/>
-              <a:t>2025/2/22</a:t>
+              <a:t>2025/2/23</a:t>
             </a:fld>
             <a:endParaRPr kumimoji="1" lang="ja-JP" altLang="en-US"/>
           </a:p>
@@ -2647,7 +2646,7 @@
           <a:p>
             <a:fld id="{F96F4559-21F4-4D67-969C-E71FA03C574A}" type="datetimeFigureOut">
               <a:rPr kumimoji="1" lang="ja-JP" altLang="en-US" smtClean="0"/>
-              <a:t>2025/2/22</a:t>
+              <a:t>2025/2/23</a:t>
             </a:fld>
             <a:endParaRPr kumimoji="1" lang="ja-JP" altLang="en-US"/>
           </a:p>
@@ -2935,7 +2934,7 @@
           <a:p>
             <a:fld id="{F96F4559-21F4-4D67-969C-E71FA03C574A}" type="datetimeFigureOut">
               <a:rPr kumimoji="1" lang="ja-JP" altLang="en-US" smtClean="0"/>
-              <a:t>2025/2/22</a:t>
+              <a:t>2025/2/23</a:t>
             </a:fld>
             <a:endParaRPr kumimoji="1" lang="ja-JP" altLang="en-US"/>
           </a:p>
@@ -3208,7 +3207,7 @@
           <a:p>
             <a:fld id="{F96F4559-21F4-4D67-969C-E71FA03C574A}" type="datetimeFigureOut">
               <a:rPr kumimoji="1" lang="ja-JP" altLang="en-US" smtClean="0"/>
-              <a:t>2025/2/22</a:t>
+              <a:t>2025/2/23</a:t>
             </a:fld>
             <a:endParaRPr kumimoji="1" lang="ja-JP" altLang="en-US"/>
           </a:p>
@@ -3627,15 +3626,15 @@
       </p:grpSpPr>
       <p:pic>
         <p:nvPicPr>
-          <p:cNvPr id="1026" name="Picture 2" descr="ウィッシュミーメル - LINE スタンプ | LINE STORE">
-            <a:extLst>
-              <a:ext uri="{FF2B5EF4-FFF2-40B4-BE49-F238E27FC236}">
-                <a16:creationId xmlns:a16="http://schemas.microsoft.com/office/drawing/2014/main" id="{7D6DF9E1-FF4E-F47C-AF81-347C2E9940CA}"/>
+          <p:cNvPr id="3" name="図 2">
+            <a:extLst>
+              <a:ext uri="{FF2B5EF4-FFF2-40B4-BE49-F238E27FC236}">
+                <a16:creationId xmlns:a16="http://schemas.microsoft.com/office/drawing/2014/main" id="{AF924BDF-4B07-C857-C076-C1661E91111A}"/>
               </a:ext>
             </a:extLst>
           </p:cNvPr>
           <p:cNvPicPr>
-            <a:picLocks noChangeAspect="1" noChangeArrowheads="1"/>
+            <a:picLocks noChangeAspect="1"/>
           </p:cNvPicPr>
           <p:nvPr/>
         </p:nvPicPr>
@@ -3647,37 +3646,25 @@
               </a:ext>
             </a:extLst>
           </a:blip>
-          <a:srcRect/>
-          <a:stretch>
-            <a:fillRect/>
-          </a:stretch>
+          <a:srcRect l="44723" r="4399" b="2985"/>
+          <a:stretch/>
         </p:blipFill>
-        <p:spPr bwMode="auto">
-          <a:xfrm>
-            <a:off x="-980774" y="1399954"/>
-            <a:ext cx="5853547" cy="5853547"/>
+        <p:spPr>
+          <a:xfrm>
+            <a:off x="5779640" y="0"/>
+            <a:ext cx="6329233" cy="6788727"/>
           </a:xfrm>
           <a:prstGeom prst="rect">
             <a:avLst/>
           </a:prstGeom>
-          <a:noFill/>
-          <a:extLst>
-            <a:ext uri="{909E8E84-426E-40DD-AFC4-6F175D3DCCD1}">
-              <a14:hiddenFill xmlns:a14="http://schemas.microsoft.com/office/drawing/2010/main">
-                <a:solidFill>
-                  <a:srgbClr val="FFFFFF"/>
-                </a:solidFill>
-              </a14:hiddenFill>
-            </a:ext>
-          </a:extLst>
         </p:spPr>
       </p:pic>
       <p:sp>
         <p:nvSpPr>
-          <p:cNvPr id="2" name="四角形: 角を丸くする 1">
-            <a:extLst>
-              <a:ext uri="{FF2B5EF4-FFF2-40B4-BE49-F238E27FC236}">
-                <a16:creationId xmlns:a16="http://schemas.microsoft.com/office/drawing/2014/main" id="{B1026EEC-5008-8BC9-31BF-43FFE118B08B}"/>
+          <p:cNvPr id="4" name="四角形: 角を丸くする 3">
+            <a:extLst>
+              <a:ext uri="{FF2B5EF4-FFF2-40B4-BE49-F238E27FC236}">
+                <a16:creationId xmlns:a16="http://schemas.microsoft.com/office/drawing/2014/main" id="{BDAD9B48-AF7E-60D1-4206-659E77D7F9FF}"/>
               </a:ext>
             </a:extLst>
           </p:cNvPr>
@@ -3686,15 +3673,15 @@
         </p:nvSpPr>
         <p:spPr>
           <a:xfrm>
-            <a:off x="4401878" y="1343247"/>
-            <a:ext cx="7542028" cy="3824176"/>
+            <a:off x="884396" y="2978727"/>
+            <a:ext cx="5380154" cy="2017111"/>
           </a:xfrm>
           <a:prstGeom prst="roundRect">
             <a:avLst/>
           </a:prstGeom>
           <a:solidFill>
             <a:srgbClr val="FF99FF">
-              <a:alpha val="65098"/>
+              <a:alpha val="34118"/>
             </a:srgbClr>
           </a:solidFill>
           <a:ln>
@@ -3728,10 +3715,10 @@
       </p:sp>
       <p:sp>
         <p:nvSpPr>
-          <p:cNvPr id="3" name="テキスト ボックス 2">
-            <a:extLst>
-              <a:ext uri="{FF2B5EF4-FFF2-40B4-BE49-F238E27FC236}">
-                <a16:creationId xmlns:a16="http://schemas.microsoft.com/office/drawing/2014/main" id="{02908D3A-08D6-3D6A-96EE-2B80F2E66ACB}"/>
+          <p:cNvPr id="5" name="テキスト ボックス 4">
+            <a:extLst>
+              <a:ext uri="{FF2B5EF4-FFF2-40B4-BE49-F238E27FC236}">
+                <a16:creationId xmlns:a16="http://schemas.microsoft.com/office/drawing/2014/main" id="{96AE1693-1BEB-2E6C-00BD-9BC226E966BA}"/>
               </a:ext>
             </a:extLst>
           </p:cNvPr>
@@ -3740,8 +3727,8 @@
         </p:nvSpPr>
         <p:spPr>
           <a:xfrm>
-            <a:off x="5217042" y="1949302"/>
-            <a:ext cx="6259032" cy="646331"/>
+            <a:off x="1010840" y="5111840"/>
+            <a:ext cx="5127263" cy="400110"/>
           </a:xfrm>
           <a:prstGeom prst="rect">
             <a:avLst/>
@@ -3754,24 +3741,116 @@
           </a:bodyPr>
           <a:lstStyle/>
           <a:p>
-            <a:r>
-              <a:rPr lang="ja-JP" altLang="en-US" dirty="0"/>
-              <a:t>素敵なイラストありがとう！</a:t>
-            </a:r>
-            <a:endParaRPr lang="en-US" altLang="ja-JP" dirty="0"/>
-          </a:p>
-          <a:p>
-            <a:r>
-              <a:rPr kumimoji="1" lang="ja-JP" altLang="en-US" dirty="0"/>
-              <a:t>助かりました</a:t>
-            </a:r>
+            <a:pPr algn="ctr"/>
+            <a:r>
+              <a:rPr lang="ja-JP" altLang="en-US" sz="2000" dirty="0">
+                <a:latin typeface="ＭＳ ゴシック" panose="020B0609070205080204" pitchFamily="49" charset="-128"/>
+                <a:ea typeface="ＭＳ ゴシック" panose="020B0609070205080204" pitchFamily="49" charset="-128"/>
+              </a:rPr>
+              <a:t>最高なイラストでございました！あざす！</a:t>
+            </a:r>
+            <a:endParaRPr kumimoji="1" lang="ja-JP" altLang="en-US" sz="2000" dirty="0">
+              <a:latin typeface="ＭＳ ゴシック" panose="020B0609070205080204" pitchFamily="49" charset="-128"/>
+              <a:ea typeface="ＭＳ ゴシック" panose="020B0609070205080204" pitchFamily="49" charset="-128"/>
+            </a:endParaRPr>
+          </a:p>
+        </p:txBody>
+      </p:sp>
+      <p:pic>
+        <p:nvPicPr>
+          <p:cNvPr id="7" name="図 6" descr="挿絵 が含まれている画像&#10;&#10;AI によって生成されたコンテンツは間違っている可能性があります。">
+            <a:extLst>
+              <a:ext uri="{FF2B5EF4-FFF2-40B4-BE49-F238E27FC236}">
+                <a16:creationId xmlns:a16="http://schemas.microsoft.com/office/drawing/2014/main" id="{EACAA945-FDA5-1665-20D1-7BEC356F5F27}"/>
+              </a:ext>
+            </a:extLst>
+          </p:cNvPr>
+          <p:cNvPicPr>
+            <a:picLocks noChangeAspect="1"/>
+          </p:cNvPicPr>
+          <p:nvPr/>
+        </p:nvPicPr>
+        <p:blipFill>
+          <a:blip r:embed="rId3">
+            <a:extLst>
+              <a:ext uri="{28A0092B-C50C-407E-A947-70E740481C1C}">
+                <a14:useLocalDpi xmlns:a14="http://schemas.microsoft.com/office/drawing/2010/main" val="0"/>
+              </a:ext>
+            </a:extLst>
+          </a:blip>
+          <a:stretch>
+            <a:fillRect/>
+          </a:stretch>
+        </p:blipFill>
+        <p:spPr>
+          <a:xfrm>
+            <a:off x="2497715" y="2105074"/>
+            <a:ext cx="2153515" cy="1212565"/>
+          </a:xfrm>
+          <a:prstGeom prst="rect">
+            <a:avLst/>
+          </a:prstGeom>
+        </p:spPr>
+      </p:pic>
+      <p:sp>
+        <p:nvSpPr>
+          <p:cNvPr id="8" name="テキスト ボックス 7">
+            <a:extLst>
+              <a:ext uri="{FF2B5EF4-FFF2-40B4-BE49-F238E27FC236}">
+                <a16:creationId xmlns:a16="http://schemas.microsoft.com/office/drawing/2014/main" id="{7E4CB9E2-64AC-4584-1A38-7E5CD8EB018E}"/>
+              </a:ext>
+            </a:extLst>
+          </p:cNvPr>
+          <p:cNvSpPr txBox="1"/>
+          <p:nvPr/>
+        </p:nvSpPr>
+        <p:spPr>
+          <a:xfrm>
+            <a:off x="1152783" y="3294784"/>
+            <a:ext cx="5063837" cy="1384995"/>
+          </a:xfrm>
+          <a:prstGeom prst="rect">
+            <a:avLst/>
+          </a:prstGeom>
+          <a:noFill/>
+        </p:spPr>
+        <p:txBody>
+          <a:bodyPr wrap="square" rtlCol="0">
+            <a:spAutoFit/>
+          </a:bodyPr>
+          <a:lstStyle/>
+          <a:p>
+            <a:r>
+              <a:rPr kumimoji="1" lang="en-US" altLang="ja-JP" sz="2800" dirty="0" err="1">
+                <a:latin typeface="BIZ UDゴシック" panose="020B0400000000000000" pitchFamily="49" charset="-128"/>
+                <a:ea typeface="BIZ UDゴシック" panose="020B0400000000000000" pitchFamily="49" charset="-128"/>
+              </a:rPr>
+              <a:t>Ms.Kokomi</a:t>
+            </a:r>
+            <a:endParaRPr kumimoji="1" lang="en-US" altLang="ja-JP" sz="2800" dirty="0">
+              <a:latin typeface="BIZ UDゴシック" panose="020B0400000000000000" pitchFamily="49" charset="-128"/>
+              <a:ea typeface="BIZ UDゴシック" panose="020B0400000000000000" pitchFamily="49" charset="-128"/>
+            </a:endParaRPr>
+          </a:p>
+          <a:p>
+            <a:r>
+              <a:rPr kumimoji="1" lang="en-US" altLang="ja-JP" sz="2800" dirty="0">
+                <a:latin typeface="BIZ UDゴシック" panose="020B0400000000000000" pitchFamily="49" charset="-128"/>
+                <a:ea typeface="BIZ UDゴシック" panose="020B0400000000000000" pitchFamily="49" charset="-128"/>
+              </a:rPr>
+              <a:t>I sincerely appreciate your interest and support.</a:t>
+            </a:r>
+            <a:endParaRPr kumimoji="1" lang="ja-JP" altLang="en-US" sz="2800" dirty="0">
+              <a:latin typeface="BIZ UDゴシック" panose="020B0400000000000000" pitchFamily="49" charset="-128"/>
+              <a:ea typeface="BIZ UDゴシック" panose="020B0400000000000000" pitchFamily="49" charset="-128"/>
+            </a:endParaRPr>
           </a:p>
         </p:txBody>
       </p:sp>
     </p:spTree>
     <p:extLst>
       <p:ext uri="{BB962C8B-B14F-4D97-AF65-F5344CB8AC3E}">
-        <p14:creationId xmlns:p14="http://schemas.microsoft.com/office/powerpoint/2010/main" val="4045894960"/>
+        <p14:creationId xmlns:p14="http://schemas.microsoft.com/office/powerpoint/2010/main" val="2981470037"/>
       </p:ext>
     </p:extLst>
   </p:cSld>
@@ -3798,12 +3877,48 @@
           <a:chExt cx="0" cy="0"/>
         </a:xfrm>
       </p:grpSpPr>
-      <p:sp>
-        <p:nvSpPr>
-          <p:cNvPr id="2" name="楕円 1">
-            <a:extLst>
-              <a:ext uri="{FF2B5EF4-FFF2-40B4-BE49-F238E27FC236}">
-                <a16:creationId xmlns:a16="http://schemas.microsoft.com/office/drawing/2014/main" id="{9CDD197C-672F-2B1C-858B-8F96414F7FC7}"/>
+      <p:pic>
+        <p:nvPicPr>
+          <p:cNvPr id="5" name="図 4" descr="猫 が含まれている画像&#10;&#10;AI によって生成されたコンテンツは間違っている可能性があります。">
+            <a:extLst>
+              <a:ext uri="{FF2B5EF4-FFF2-40B4-BE49-F238E27FC236}">
+                <a16:creationId xmlns:a16="http://schemas.microsoft.com/office/drawing/2014/main" id="{DEAEA710-D078-BC4D-3C52-91164D17F7F3}"/>
+              </a:ext>
+            </a:extLst>
+          </p:cNvPr>
+          <p:cNvPicPr>
+            <a:picLocks noChangeAspect="1"/>
+          </p:cNvPicPr>
+          <p:nvPr/>
+        </p:nvPicPr>
+        <p:blipFill>
+          <a:blip r:embed="rId2">
+            <a:extLst>
+              <a:ext uri="{28A0092B-C50C-407E-A947-70E740481C1C}">
+                <a14:useLocalDpi xmlns:a14="http://schemas.microsoft.com/office/drawing/2010/main" val="0"/>
+              </a:ext>
+            </a:extLst>
+          </a:blip>
+          <a:stretch>
+            <a:fillRect/>
+          </a:stretch>
+        </p:blipFill>
+        <p:spPr>
+          <a:xfrm>
+            <a:off x="4228770" y="2097565"/>
+            <a:ext cx="2721059" cy="2662869"/>
+          </a:xfrm>
+          <a:prstGeom prst="rect">
+            <a:avLst/>
+          </a:prstGeom>
+        </p:spPr>
+      </p:pic>
+      <p:sp>
+        <p:nvSpPr>
+          <p:cNvPr id="6" name="正方形/長方形 5">
+            <a:extLst>
+              <a:ext uri="{FF2B5EF4-FFF2-40B4-BE49-F238E27FC236}">
+                <a16:creationId xmlns:a16="http://schemas.microsoft.com/office/drawing/2014/main" id="{2A12409D-31D1-9A15-777E-58FA8D97AA16}"/>
               </a:ext>
             </a:extLst>
           </p:cNvPr>
@@ -3812,18 +3927,13 @@
         </p:nvSpPr>
         <p:spPr>
           <a:xfrm>
-            <a:off x="4565792" y="1866899"/>
-            <a:ext cx="2313709" cy="2313709"/>
-          </a:xfrm>
-          <a:prstGeom prst="ellipse">
+            <a:off x="4084349" y="1924049"/>
+            <a:ext cx="3009900" cy="3009900"/>
+          </a:xfrm>
+          <a:prstGeom prst="rect">
             <a:avLst/>
           </a:prstGeom>
-          <a:solidFill>
-            <a:schemeClr val="tx2">
-              <a:lumMod val="90000"/>
-              <a:lumOff val="10000"/>
-            </a:schemeClr>
-          </a:solidFill>
+          <a:noFill/>
           <a:ln>
             <a:noFill/>
           </a:ln>
@@ -3853,252 +3963,10 @@
           </a:p>
         </p:txBody>
       </p:sp>
-      <p:sp>
-        <p:nvSpPr>
-          <p:cNvPr id="9" name="フリーフォーム: 図形 8">
-            <a:extLst>
-              <a:ext uri="{FF2B5EF4-FFF2-40B4-BE49-F238E27FC236}">
-                <a16:creationId xmlns:a16="http://schemas.microsoft.com/office/drawing/2014/main" id="{3542929E-F9F2-040D-4835-0994506B5E5D}"/>
-              </a:ext>
-            </a:extLst>
-          </p:cNvPr>
-          <p:cNvSpPr/>
-          <p:nvPr/>
-        </p:nvSpPr>
-        <p:spPr>
-          <a:xfrm rot="18754808">
-            <a:off x="9653152" y="999014"/>
-            <a:ext cx="1267692" cy="1267693"/>
-          </a:xfrm>
-          <a:custGeom>
-            <a:avLst/>
-            <a:gdLst>
-              <a:gd name="connsiteX0" fmla="*/ 1267692 w 1267692"/>
-              <a:gd name="connsiteY0" fmla="*/ 0 h 1267693"/>
-              <a:gd name="connsiteX1" fmla="*/ 1267692 w 1267692"/>
-              <a:gd name="connsiteY1" fmla="*/ 346365 h 1267693"/>
-              <a:gd name="connsiteX2" fmla="*/ 1267691 w 1267692"/>
-              <a:gd name="connsiteY2" fmla="*/ 346365 h 1267693"/>
-              <a:gd name="connsiteX3" fmla="*/ 1267691 w 1267692"/>
-              <a:gd name="connsiteY3" fmla="*/ 1267693 h 1267693"/>
-              <a:gd name="connsiteX4" fmla="*/ 921327 w 1267692"/>
-              <a:gd name="connsiteY4" fmla="*/ 1267693 h 1267693"/>
-              <a:gd name="connsiteX5" fmla="*/ 921327 w 1267692"/>
-              <a:gd name="connsiteY5" fmla="*/ 346364 h 1267693"/>
-              <a:gd name="connsiteX6" fmla="*/ 0 w 1267692"/>
-              <a:gd name="connsiteY6" fmla="*/ 346364 h 1267693"/>
-              <a:gd name="connsiteX7" fmla="*/ 0 w 1267692"/>
-              <a:gd name="connsiteY7" fmla="*/ 0 h 1267693"/>
-            </a:gdLst>
-            <a:ahLst/>
-            <a:cxnLst>
-              <a:cxn ang="0">
-                <a:pos x="connsiteX0" y="connsiteY0"/>
-              </a:cxn>
-              <a:cxn ang="0">
-                <a:pos x="connsiteX1" y="connsiteY1"/>
-              </a:cxn>
-              <a:cxn ang="0">
-                <a:pos x="connsiteX2" y="connsiteY2"/>
-              </a:cxn>
-              <a:cxn ang="0">
-                <a:pos x="connsiteX3" y="connsiteY3"/>
-              </a:cxn>
-              <a:cxn ang="0">
-                <a:pos x="connsiteX4" y="connsiteY4"/>
-              </a:cxn>
-              <a:cxn ang="0">
-                <a:pos x="connsiteX5" y="connsiteY5"/>
-              </a:cxn>
-              <a:cxn ang="0">
-                <a:pos x="connsiteX6" y="connsiteY6"/>
-              </a:cxn>
-              <a:cxn ang="0">
-                <a:pos x="connsiteX7" y="connsiteY7"/>
-              </a:cxn>
-            </a:cxnLst>
-            <a:rect l="l" t="t" r="r" b="b"/>
-            <a:pathLst>
-              <a:path w="1267692" h="1267693">
-                <a:moveTo>
-                  <a:pt x="1267692" y="0"/>
-                </a:moveTo>
-                <a:lnTo>
-                  <a:pt x="1267692" y="346365"/>
-                </a:lnTo>
-                <a:lnTo>
-                  <a:pt x="1267691" y="346365"/>
-                </a:lnTo>
-                <a:lnTo>
-                  <a:pt x="1267691" y="1267693"/>
-                </a:lnTo>
-                <a:lnTo>
-                  <a:pt x="921327" y="1267693"/>
-                </a:lnTo>
-                <a:lnTo>
-                  <a:pt x="921327" y="346364"/>
-                </a:lnTo>
-                <a:lnTo>
-                  <a:pt x="0" y="346364"/>
-                </a:lnTo>
-                <a:lnTo>
-                  <a:pt x="0" y="0"/>
-                </a:lnTo>
-                <a:close/>
-              </a:path>
-            </a:pathLst>
-          </a:custGeom>
-          <a:solidFill>
-            <a:schemeClr val="bg1"/>
-          </a:solidFill>
-          <a:ln>
-            <a:noFill/>
-          </a:ln>
-        </p:spPr>
-        <p:style>
-          <a:lnRef idx="2">
-            <a:schemeClr val="accent1">
-              <a:shade val="15000"/>
-            </a:schemeClr>
-          </a:lnRef>
-          <a:fillRef idx="1">
-            <a:schemeClr val="accent1"/>
-          </a:fillRef>
-          <a:effectRef idx="0">
-            <a:schemeClr val="accent1"/>
-          </a:effectRef>
-          <a:fontRef idx="minor">
-            <a:schemeClr val="lt1"/>
-          </a:fontRef>
-        </p:style>
-        <p:txBody>
-          <a:bodyPr wrap="square" rtlCol="0" anchor="ctr">
-            <a:noAutofit/>
-          </a:bodyPr>
-          <a:lstStyle/>
-          <a:p>
-            <a:pPr algn="ctr"/>
-            <a:endParaRPr kumimoji="1" lang="ja-JP" altLang="en-US"/>
-          </a:p>
-        </p:txBody>
-      </p:sp>
-      <p:sp>
-        <p:nvSpPr>
-          <p:cNvPr id="13" name="フリーフォーム: 図形 12">
-            <a:extLst>
-              <a:ext uri="{FF2B5EF4-FFF2-40B4-BE49-F238E27FC236}">
-                <a16:creationId xmlns:a16="http://schemas.microsoft.com/office/drawing/2014/main" id="{3030A782-8250-AB06-6107-CB188FD877E3}"/>
-              </a:ext>
-            </a:extLst>
-          </p:cNvPr>
-          <p:cNvSpPr/>
-          <p:nvPr/>
-        </p:nvSpPr>
-        <p:spPr>
-          <a:xfrm rot="2725907">
-            <a:off x="5171350" y="2614144"/>
-            <a:ext cx="1102593" cy="1102593"/>
-          </a:xfrm>
-          <a:custGeom>
-            <a:avLst/>
-            <a:gdLst>
-              <a:gd name="connsiteX0" fmla="*/ 0 w 1461655"/>
-              <a:gd name="connsiteY0" fmla="*/ 0 h 1461655"/>
-              <a:gd name="connsiteX1" fmla="*/ 1461655 w 1461655"/>
-              <a:gd name="connsiteY1" fmla="*/ 0 h 1461655"/>
-              <a:gd name="connsiteX2" fmla="*/ 1461655 w 1461655"/>
-              <a:gd name="connsiteY2" fmla="*/ 367146 h 1461655"/>
-              <a:gd name="connsiteX3" fmla="*/ 367146 w 1461655"/>
-              <a:gd name="connsiteY3" fmla="*/ 367146 h 1461655"/>
-              <a:gd name="connsiteX4" fmla="*/ 367146 w 1461655"/>
-              <a:gd name="connsiteY4" fmla="*/ 1461655 h 1461655"/>
-              <a:gd name="connsiteX5" fmla="*/ 0 w 1461655"/>
-              <a:gd name="connsiteY5" fmla="*/ 1461655 h 1461655"/>
-            </a:gdLst>
-            <a:ahLst/>
-            <a:cxnLst>
-              <a:cxn ang="0">
-                <a:pos x="connsiteX0" y="connsiteY0"/>
-              </a:cxn>
-              <a:cxn ang="0">
-                <a:pos x="connsiteX1" y="connsiteY1"/>
-              </a:cxn>
-              <a:cxn ang="0">
-                <a:pos x="connsiteX2" y="connsiteY2"/>
-              </a:cxn>
-              <a:cxn ang="0">
-                <a:pos x="connsiteX3" y="connsiteY3"/>
-              </a:cxn>
-              <a:cxn ang="0">
-                <a:pos x="connsiteX4" y="connsiteY4"/>
-              </a:cxn>
-              <a:cxn ang="0">
-                <a:pos x="connsiteX5" y="connsiteY5"/>
-              </a:cxn>
-            </a:cxnLst>
-            <a:rect l="l" t="t" r="r" b="b"/>
-            <a:pathLst>
-              <a:path w="1461655" h="1461655">
-                <a:moveTo>
-                  <a:pt x="0" y="0"/>
-                </a:moveTo>
-                <a:lnTo>
-                  <a:pt x="1461655" y="0"/>
-                </a:lnTo>
-                <a:lnTo>
-                  <a:pt x="1461655" y="367146"/>
-                </a:lnTo>
-                <a:lnTo>
-                  <a:pt x="367146" y="367146"/>
-                </a:lnTo>
-                <a:lnTo>
-                  <a:pt x="367146" y="1461655"/>
-                </a:lnTo>
-                <a:lnTo>
-                  <a:pt x="0" y="1461655"/>
-                </a:lnTo>
-                <a:close/>
-              </a:path>
-            </a:pathLst>
-          </a:custGeom>
-          <a:solidFill>
-            <a:schemeClr val="bg1"/>
-          </a:solidFill>
-          <a:ln>
-            <a:noFill/>
-          </a:ln>
-        </p:spPr>
-        <p:style>
-          <a:lnRef idx="2">
-            <a:schemeClr val="accent1">
-              <a:shade val="15000"/>
-            </a:schemeClr>
-          </a:lnRef>
-          <a:fillRef idx="1">
-            <a:schemeClr val="accent1"/>
-          </a:fillRef>
-          <a:effectRef idx="0">
-            <a:schemeClr val="accent1"/>
-          </a:effectRef>
-          <a:fontRef idx="minor">
-            <a:schemeClr val="lt1"/>
-          </a:fontRef>
-        </p:style>
-        <p:txBody>
-          <a:bodyPr wrap="square" rtlCol="0" anchor="ctr">
-            <a:noAutofit/>
-          </a:bodyPr>
-          <a:lstStyle/>
-          <a:p>
-            <a:pPr algn="ctr"/>
-            <a:endParaRPr kumimoji="1" lang="ja-JP" altLang="en-US" dirty="0"/>
-          </a:p>
-        </p:txBody>
-      </p:sp>
     </p:spTree>
     <p:extLst>
       <p:ext uri="{BB962C8B-B14F-4D97-AF65-F5344CB8AC3E}">
-        <p14:creationId xmlns:p14="http://schemas.microsoft.com/office/powerpoint/2010/main" val="3315462232"/>
+        <p14:creationId xmlns:p14="http://schemas.microsoft.com/office/powerpoint/2010/main" val="2007461034"/>
       </p:ext>
     </p:extLst>
   </p:cSld>
@@ -4125,203 +3993,80 @@
           <a:chExt cx="0" cy="0"/>
         </a:xfrm>
       </p:grpSpPr>
-      <p:grpSp>
-        <p:nvGrpSpPr>
-          <p:cNvPr id="7" name="グループ化 6">
-            <a:extLst>
-              <a:ext uri="{FF2B5EF4-FFF2-40B4-BE49-F238E27FC236}">
-                <a16:creationId xmlns:a16="http://schemas.microsoft.com/office/drawing/2014/main" id="{FDF130AA-2261-E558-6ED5-17CD9FB93976}"/>
-              </a:ext>
-            </a:extLst>
-          </p:cNvPr>
-          <p:cNvGrpSpPr/>
+      <p:sp>
+        <p:nvSpPr>
+          <p:cNvPr id="3" name="テキスト ボックス 2">
+            <a:extLst>
+              <a:ext uri="{FF2B5EF4-FFF2-40B4-BE49-F238E27FC236}">
+                <a16:creationId xmlns:a16="http://schemas.microsoft.com/office/drawing/2014/main" id="{CA99B694-513F-2848-E9FD-D7D1864DFBEF}"/>
+              </a:ext>
+            </a:extLst>
+          </p:cNvPr>
+          <p:cNvSpPr txBox="1"/>
           <p:nvPr/>
-        </p:nvGrpSpPr>
-        <p:grpSpPr>
-          <a:xfrm>
-            <a:off x="3823854" y="1873376"/>
-            <a:ext cx="2722418" cy="2663987"/>
-            <a:chOff x="4218709" y="2205886"/>
-            <a:chExt cx="2722418" cy="2663987"/>
-          </a:xfrm>
-        </p:grpSpPr>
-        <p:pic>
-          <p:nvPicPr>
-            <p:cNvPr id="5" name="図 4" descr="猫のアニメ&#10;&#10;AI によって生成されたコンテンツは間違っている可能性があります。">
-              <a:extLst>
-                <a:ext uri="{FF2B5EF4-FFF2-40B4-BE49-F238E27FC236}">
-                  <a16:creationId xmlns:a16="http://schemas.microsoft.com/office/drawing/2014/main" id="{F245DEE1-6F4B-1358-D07A-1F54519CFACF}"/>
-                </a:ext>
-              </a:extLst>
-            </p:cNvPr>
-            <p:cNvPicPr>
-              <a:picLocks noChangeAspect="1"/>
-            </p:cNvPicPr>
-            <p:nvPr/>
-          </p:nvPicPr>
-          <p:blipFill>
-            <a:blip r:embed="rId2">
-              <a:extLst>
-                <a:ext uri="{28A0092B-C50C-407E-A947-70E740481C1C}">
-                  <a14:useLocalDpi xmlns:a14="http://schemas.microsoft.com/office/drawing/2010/main" val="0"/>
-                </a:ext>
-              </a:extLst>
-            </a:blip>
-            <a:stretch>
-              <a:fillRect/>
-            </a:stretch>
-          </p:blipFill>
-          <p:spPr>
-            <a:xfrm>
-              <a:off x="4661850" y="2205886"/>
-              <a:ext cx="1912337" cy="2612482"/>
-            </a:xfrm>
-            <a:prstGeom prst="rect">
-              <a:avLst/>
-            </a:prstGeom>
-          </p:spPr>
-        </p:pic>
-        <p:sp>
-          <p:nvSpPr>
-            <p:cNvPr id="6" name="正方形/長方形 5">
-              <a:extLst>
-                <a:ext uri="{FF2B5EF4-FFF2-40B4-BE49-F238E27FC236}">
-                  <a16:creationId xmlns:a16="http://schemas.microsoft.com/office/drawing/2014/main" id="{0373E22F-66B2-9331-DD50-DD676464A1B3}"/>
-                </a:ext>
-              </a:extLst>
-            </p:cNvPr>
-            <p:cNvSpPr/>
-            <p:nvPr/>
-          </p:nvSpPr>
-          <p:spPr>
-            <a:xfrm>
-              <a:off x="4218709" y="2306783"/>
-              <a:ext cx="2722418" cy="2563090"/>
-            </a:xfrm>
-            <a:prstGeom prst="rect">
-              <a:avLst/>
-            </a:prstGeom>
-            <a:noFill/>
-            <a:ln>
-              <a:noFill/>
-            </a:ln>
-          </p:spPr>
-          <p:style>
-            <a:lnRef idx="2">
-              <a:schemeClr val="accent1">
-                <a:shade val="15000"/>
-              </a:schemeClr>
-            </a:lnRef>
-            <a:fillRef idx="1">
-              <a:schemeClr val="accent1"/>
-            </a:fillRef>
-            <a:effectRef idx="0">
-              <a:schemeClr val="accent1"/>
-            </a:effectRef>
-            <a:fontRef idx="minor">
-              <a:schemeClr val="lt1"/>
-            </a:fontRef>
-          </p:style>
-          <p:txBody>
-            <a:bodyPr rtlCol="0" anchor="ctr"/>
-            <a:lstStyle/>
-            <a:p>
-              <a:pPr algn="ctr"/>
-              <a:endParaRPr kumimoji="1" lang="ja-JP" altLang="en-US"/>
-            </a:p>
-          </p:txBody>
-        </p:sp>
-      </p:grpSp>
-    </p:spTree>
-    <p:extLst>
-      <p:ext uri="{BB962C8B-B14F-4D97-AF65-F5344CB8AC3E}">
-        <p14:creationId xmlns:p14="http://schemas.microsoft.com/office/powerpoint/2010/main" val="1377026682"/>
-      </p:ext>
-    </p:extLst>
-  </p:cSld>
-  <p:clrMapOvr>
-    <a:masterClrMapping/>
-  </p:clrMapOvr>
-</p:sld>
-</file>
-
-<file path=ppt/slides/slide12.xml><?xml version="1.0" encoding="utf-8"?>
-<p:sld xmlns:a="http://schemas.openxmlformats.org/drawingml/2006/main" xmlns:r="http://schemas.openxmlformats.org/officeDocument/2006/relationships" xmlns:p="http://schemas.openxmlformats.org/presentationml/2006/main">
-  <p:cSld>
-    <p:spTree>
-      <p:nvGrpSpPr>
-        <p:cNvPr id="1" name=""/>
-        <p:cNvGrpSpPr/>
-        <p:nvPr/>
-      </p:nvGrpSpPr>
-      <p:grpSpPr>
-        <a:xfrm>
-          <a:off x="0" y="0"/>
-          <a:ext cx="0" cy="0"/>
-          <a:chOff x="0" y="0"/>
-          <a:chExt cx="0" cy="0"/>
-        </a:xfrm>
-      </p:grpSpPr>
-      <p:pic>
-        <p:nvPicPr>
-          <p:cNvPr id="5" name="図 4" descr="猫 が含まれている画像&#10;&#10;AI によって生成されたコンテンツは間違っている可能性があります。">
-            <a:extLst>
-              <a:ext uri="{FF2B5EF4-FFF2-40B4-BE49-F238E27FC236}">
-                <a16:creationId xmlns:a16="http://schemas.microsoft.com/office/drawing/2014/main" id="{DEAEA710-D078-BC4D-3C52-91164D17F7F3}"/>
-              </a:ext>
-            </a:extLst>
-          </p:cNvPr>
-          <p:cNvPicPr>
-            <a:picLocks noChangeAspect="1"/>
-          </p:cNvPicPr>
-          <p:nvPr/>
-        </p:nvPicPr>
-        <p:blipFill>
-          <a:blip r:embed="rId2">
-            <a:extLst>
-              <a:ext uri="{28A0092B-C50C-407E-A947-70E740481C1C}">
-                <a14:useLocalDpi xmlns:a14="http://schemas.microsoft.com/office/drawing/2010/main" val="0"/>
-              </a:ext>
-            </a:extLst>
-          </a:blip>
-          <a:stretch>
-            <a:fillRect/>
-          </a:stretch>
-        </p:blipFill>
-        <p:spPr>
-          <a:xfrm>
-            <a:off x="4228770" y="2097565"/>
-            <a:ext cx="2721059" cy="2662869"/>
-          </a:xfrm>
-          <a:prstGeom prst="rect">
-            <a:avLst/>
-          </a:prstGeom>
-        </p:spPr>
-      </p:pic>
-      <p:sp>
-        <p:nvSpPr>
-          <p:cNvPr id="6" name="正方形/長方形 5">
-            <a:extLst>
-              <a:ext uri="{FF2B5EF4-FFF2-40B4-BE49-F238E27FC236}">
-                <a16:creationId xmlns:a16="http://schemas.microsoft.com/office/drawing/2014/main" id="{2A12409D-31D1-9A15-777E-58FA8D97AA16}"/>
-              </a:ext>
-            </a:extLst>
-          </p:cNvPr>
-          <p:cNvSpPr/>
-          <p:nvPr/>
-        </p:nvSpPr>
-        <p:spPr>
-          <a:xfrm>
-            <a:off x="4084349" y="1924049"/>
-            <a:ext cx="3009900" cy="3009900"/>
+        </p:nvSpPr>
+        <p:spPr>
+          <a:xfrm>
+            <a:off x="976747" y="2622141"/>
+            <a:ext cx="2722418" cy="3154710"/>
           </a:xfrm>
           <a:prstGeom prst="rect">
             <a:avLst/>
           </a:prstGeom>
           <a:noFill/>
-          <a:ln>
-            <a:noFill/>
-          </a:ln>
+        </p:spPr>
+        <p:txBody>
+          <a:bodyPr wrap="square">
+            <a:spAutoFit/>
+          </a:bodyPr>
+          <a:lstStyle/>
+          <a:p>
+            <a:r>
+              <a:rPr kumimoji="1" lang="ja-JP" altLang="en-US" sz="19900" b="0" i="0" u="none" strike="noStrike" kern="1200" cap="none" spc="0" normalizeH="0" baseline="0" noProof="0" dirty="0">
+                <a:ln>
+                  <a:noFill/>
+                </a:ln>
+                <a:solidFill>
+                  <a:schemeClr val="tx2"/>
+                </a:solidFill>
+                <a:effectLst/>
+                <a:uLnTx/>
+                <a:uFillTx/>
+                <a:latin typeface="Yuji Syuku" panose="020B0600000000000000" pitchFamily="50" charset="-128"/>
+                <a:ea typeface="Yuji Syuku" panose="020B0600000000000000" pitchFamily="50" charset="-128"/>
+                <a:cs typeface="ADLaM Display" panose="020F0502020204030204" pitchFamily="2" charset="0"/>
+              </a:rPr>
+              <a:t>柔</a:t>
+            </a:r>
+            <a:endParaRPr lang="ja-JP" altLang="en-US" sz="4000" dirty="0">
+              <a:solidFill>
+                <a:schemeClr val="tx2"/>
+              </a:solidFill>
+            </a:endParaRPr>
+          </a:p>
+        </p:txBody>
+      </p:sp>
+      <p:sp>
+        <p:nvSpPr>
+          <p:cNvPr id="5" name="楕円 4">
+            <a:extLst>
+              <a:ext uri="{FF2B5EF4-FFF2-40B4-BE49-F238E27FC236}">
+                <a16:creationId xmlns:a16="http://schemas.microsoft.com/office/drawing/2014/main" id="{D60FC0D9-B58D-8275-D436-830577346389}"/>
+              </a:ext>
+            </a:extLst>
+          </p:cNvPr>
+          <p:cNvSpPr/>
+          <p:nvPr/>
+        </p:nvSpPr>
+        <p:spPr>
+          <a:xfrm>
+            <a:off x="2050474" y="117764"/>
+            <a:ext cx="3151908" cy="3151908"/>
+          </a:xfrm>
+          <a:prstGeom prst="ellipse">
+            <a:avLst/>
+          </a:prstGeom>
+          <a:noFill/>
         </p:spPr>
         <p:style>
           <a:lnRef idx="2">
@@ -4348,10 +4093,45 @@
           </a:p>
         </p:txBody>
       </p:sp>
+      <p:pic>
+        <p:nvPicPr>
+          <p:cNvPr id="4" name="図 3" descr="猫のアニメ&#10;&#10;AI によって生成されたコンテンツは間違っている可能性があります。">
+            <a:extLst>
+              <a:ext uri="{FF2B5EF4-FFF2-40B4-BE49-F238E27FC236}">
+                <a16:creationId xmlns:a16="http://schemas.microsoft.com/office/drawing/2014/main" id="{C0AB82D5-190C-653A-4DA1-97E8A07E4123}"/>
+              </a:ext>
+            </a:extLst>
+          </p:cNvPr>
+          <p:cNvPicPr>
+            <a:picLocks noChangeAspect="1"/>
+          </p:cNvPicPr>
+          <p:nvPr/>
+        </p:nvPicPr>
+        <p:blipFill>
+          <a:blip r:embed="rId2">
+            <a:extLst>
+              <a:ext uri="{28A0092B-C50C-407E-A947-70E740481C1C}">
+                <a14:useLocalDpi xmlns:a14="http://schemas.microsoft.com/office/drawing/2010/main" val="0"/>
+              </a:ext>
+            </a:extLst>
+          </a:blip>
+          <a:srcRect l="3737" t="11359" r="17754" b="35302"/>
+          <a:stretch/>
+        </p:blipFill>
+        <p:spPr>
+          <a:xfrm>
+            <a:off x="5853548" y="1281544"/>
+            <a:ext cx="3497136" cy="3245755"/>
+          </a:xfrm>
+          <a:prstGeom prst="ellipse">
+            <a:avLst/>
+          </a:prstGeom>
+        </p:spPr>
+      </p:pic>
     </p:spTree>
     <p:extLst>
       <p:ext uri="{BB962C8B-B14F-4D97-AF65-F5344CB8AC3E}">
-        <p14:creationId xmlns:p14="http://schemas.microsoft.com/office/powerpoint/2010/main" val="2007461034"/>
+        <p14:creationId xmlns:p14="http://schemas.microsoft.com/office/powerpoint/2010/main" val="1874920690"/>
       </p:ext>
     </p:extLst>
   </p:cSld>
@@ -4362,259 +4142,6 @@
 </file>
 
 <file path=ppt/slides/slide2.xml><?xml version="1.0" encoding="utf-8"?>
-<p:sld xmlns:a="http://schemas.openxmlformats.org/drawingml/2006/main" xmlns:r="http://schemas.openxmlformats.org/officeDocument/2006/relationships" xmlns:p="http://schemas.openxmlformats.org/presentationml/2006/main">
-  <p:cSld>
-    <p:spTree>
-      <p:nvGrpSpPr>
-        <p:cNvPr id="1" name=""/>
-        <p:cNvGrpSpPr/>
-        <p:nvPr/>
-      </p:nvGrpSpPr>
-      <p:grpSpPr>
-        <a:xfrm>
-          <a:off x="0" y="0"/>
-          <a:ext cx="0" cy="0"/>
-          <a:chOff x="0" y="0"/>
-          <a:chExt cx="0" cy="0"/>
-        </a:xfrm>
-      </p:grpSpPr>
-      <p:pic>
-        <p:nvPicPr>
-          <p:cNvPr id="3" name="図 2">
-            <a:extLst>
-              <a:ext uri="{FF2B5EF4-FFF2-40B4-BE49-F238E27FC236}">
-                <a16:creationId xmlns:a16="http://schemas.microsoft.com/office/drawing/2014/main" id="{AF924BDF-4B07-C857-C076-C1661E91111A}"/>
-              </a:ext>
-            </a:extLst>
-          </p:cNvPr>
-          <p:cNvPicPr>
-            <a:picLocks noChangeAspect="1"/>
-          </p:cNvPicPr>
-          <p:nvPr/>
-        </p:nvPicPr>
-        <p:blipFill>
-          <a:blip r:embed="rId2">
-            <a:extLst>
-              <a:ext uri="{28A0092B-C50C-407E-A947-70E740481C1C}">
-                <a14:useLocalDpi xmlns:a14="http://schemas.microsoft.com/office/drawing/2010/main" val="0"/>
-              </a:ext>
-            </a:extLst>
-          </a:blip>
-          <a:srcRect l="44723" r="4399" b="2985"/>
-          <a:stretch/>
-        </p:blipFill>
-        <p:spPr>
-          <a:xfrm>
-            <a:off x="5779640" y="0"/>
-            <a:ext cx="6329233" cy="6788727"/>
-          </a:xfrm>
-          <a:prstGeom prst="rect">
-            <a:avLst/>
-          </a:prstGeom>
-        </p:spPr>
-      </p:pic>
-      <p:sp>
-        <p:nvSpPr>
-          <p:cNvPr id="4" name="四角形: 角を丸くする 3">
-            <a:extLst>
-              <a:ext uri="{FF2B5EF4-FFF2-40B4-BE49-F238E27FC236}">
-                <a16:creationId xmlns:a16="http://schemas.microsoft.com/office/drawing/2014/main" id="{BDAD9B48-AF7E-60D1-4206-659E77D7F9FF}"/>
-              </a:ext>
-            </a:extLst>
-          </p:cNvPr>
-          <p:cNvSpPr/>
-          <p:nvPr/>
-        </p:nvSpPr>
-        <p:spPr>
-          <a:xfrm>
-            <a:off x="884396" y="2978727"/>
-            <a:ext cx="5380154" cy="2017111"/>
-          </a:xfrm>
-          <a:prstGeom prst="roundRect">
-            <a:avLst/>
-          </a:prstGeom>
-          <a:solidFill>
-            <a:srgbClr val="FF99FF">
-              <a:alpha val="34118"/>
-            </a:srgbClr>
-          </a:solidFill>
-          <a:ln>
-            <a:noFill/>
-          </a:ln>
-        </p:spPr>
-        <p:style>
-          <a:lnRef idx="2">
-            <a:schemeClr val="accent1">
-              <a:shade val="15000"/>
-            </a:schemeClr>
-          </a:lnRef>
-          <a:fillRef idx="1">
-            <a:schemeClr val="accent1"/>
-          </a:fillRef>
-          <a:effectRef idx="0">
-            <a:schemeClr val="accent1"/>
-          </a:effectRef>
-          <a:fontRef idx="minor">
-            <a:schemeClr val="lt1"/>
-          </a:fontRef>
-        </p:style>
-        <p:txBody>
-          <a:bodyPr rtlCol="0" anchor="ctr"/>
-          <a:lstStyle/>
-          <a:p>
-            <a:pPr algn="ctr"/>
-            <a:endParaRPr kumimoji="1" lang="ja-JP" altLang="en-US"/>
-          </a:p>
-        </p:txBody>
-      </p:sp>
-      <p:sp>
-        <p:nvSpPr>
-          <p:cNvPr id="5" name="テキスト ボックス 4">
-            <a:extLst>
-              <a:ext uri="{FF2B5EF4-FFF2-40B4-BE49-F238E27FC236}">
-                <a16:creationId xmlns:a16="http://schemas.microsoft.com/office/drawing/2014/main" id="{96AE1693-1BEB-2E6C-00BD-9BC226E966BA}"/>
-              </a:ext>
-            </a:extLst>
-          </p:cNvPr>
-          <p:cNvSpPr txBox="1"/>
-          <p:nvPr/>
-        </p:nvSpPr>
-        <p:spPr>
-          <a:xfrm>
-            <a:off x="1010840" y="5111840"/>
-            <a:ext cx="5127263" cy="400110"/>
-          </a:xfrm>
-          <a:prstGeom prst="rect">
-            <a:avLst/>
-          </a:prstGeom>
-          <a:noFill/>
-        </p:spPr>
-        <p:txBody>
-          <a:bodyPr wrap="square" rtlCol="0">
-            <a:spAutoFit/>
-          </a:bodyPr>
-          <a:lstStyle/>
-          <a:p>
-            <a:pPr algn="ctr"/>
-            <a:r>
-              <a:rPr lang="ja-JP" altLang="en-US" sz="2000" dirty="0">
-                <a:latin typeface="ＭＳ ゴシック" panose="020B0609070205080204" pitchFamily="49" charset="-128"/>
-                <a:ea typeface="ＭＳ ゴシック" panose="020B0609070205080204" pitchFamily="49" charset="-128"/>
-              </a:rPr>
-              <a:t>最高なイラストでございました！あざす！</a:t>
-            </a:r>
-            <a:endParaRPr kumimoji="1" lang="ja-JP" altLang="en-US" sz="2000" dirty="0">
-              <a:latin typeface="ＭＳ ゴシック" panose="020B0609070205080204" pitchFamily="49" charset="-128"/>
-              <a:ea typeface="ＭＳ ゴシック" panose="020B0609070205080204" pitchFamily="49" charset="-128"/>
-            </a:endParaRPr>
-          </a:p>
-        </p:txBody>
-      </p:sp>
-      <p:pic>
-        <p:nvPicPr>
-          <p:cNvPr id="7" name="図 6" descr="挿絵 が含まれている画像&#10;&#10;AI によって生成されたコンテンツは間違っている可能性があります。">
-            <a:extLst>
-              <a:ext uri="{FF2B5EF4-FFF2-40B4-BE49-F238E27FC236}">
-                <a16:creationId xmlns:a16="http://schemas.microsoft.com/office/drawing/2014/main" id="{EACAA945-FDA5-1665-20D1-7BEC356F5F27}"/>
-              </a:ext>
-            </a:extLst>
-          </p:cNvPr>
-          <p:cNvPicPr>
-            <a:picLocks noChangeAspect="1"/>
-          </p:cNvPicPr>
-          <p:nvPr/>
-        </p:nvPicPr>
-        <p:blipFill>
-          <a:blip r:embed="rId3">
-            <a:extLst>
-              <a:ext uri="{28A0092B-C50C-407E-A947-70E740481C1C}">
-                <a14:useLocalDpi xmlns:a14="http://schemas.microsoft.com/office/drawing/2010/main" val="0"/>
-              </a:ext>
-            </a:extLst>
-          </a:blip>
-          <a:stretch>
-            <a:fillRect/>
-          </a:stretch>
-        </p:blipFill>
-        <p:spPr>
-          <a:xfrm>
-            <a:off x="2497715" y="2105074"/>
-            <a:ext cx="2153515" cy="1212565"/>
-          </a:xfrm>
-          <a:prstGeom prst="rect">
-            <a:avLst/>
-          </a:prstGeom>
-        </p:spPr>
-      </p:pic>
-      <p:sp>
-        <p:nvSpPr>
-          <p:cNvPr id="8" name="テキスト ボックス 7">
-            <a:extLst>
-              <a:ext uri="{FF2B5EF4-FFF2-40B4-BE49-F238E27FC236}">
-                <a16:creationId xmlns:a16="http://schemas.microsoft.com/office/drawing/2014/main" id="{7E4CB9E2-64AC-4584-1A38-7E5CD8EB018E}"/>
-              </a:ext>
-            </a:extLst>
-          </p:cNvPr>
-          <p:cNvSpPr txBox="1"/>
-          <p:nvPr/>
-        </p:nvSpPr>
-        <p:spPr>
-          <a:xfrm>
-            <a:off x="1152783" y="3294784"/>
-            <a:ext cx="5063837" cy="1384995"/>
-          </a:xfrm>
-          <a:prstGeom prst="rect">
-            <a:avLst/>
-          </a:prstGeom>
-          <a:noFill/>
-        </p:spPr>
-        <p:txBody>
-          <a:bodyPr wrap="square" rtlCol="0">
-            <a:spAutoFit/>
-          </a:bodyPr>
-          <a:lstStyle/>
-          <a:p>
-            <a:r>
-              <a:rPr kumimoji="1" lang="en-US" altLang="ja-JP" sz="2800" dirty="0" err="1">
-                <a:latin typeface="BIZ UDゴシック" panose="020B0400000000000000" pitchFamily="49" charset="-128"/>
-                <a:ea typeface="BIZ UDゴシック" panose="020B0400000000000000" pitchFamily="49" charset="-128"/>
-              </a:rPr>
-              <a:t>Ms.Kokomi</a:t>
-            </a:r>
-            <a:endParaRPr kumimoji="1" lang="en-US" altLang="ja-JP" sz="2800" dirty="0">
-              <a:latin typeface="BIZ UDゴシック" panose="020B0400000000000000" pitchFamily="49" charset="-128"/>
-              <a:ea typeface="BIZ UDゴシック" panose="020B0400000000000000" pitchFamily="49" charset="-128"/>
-            </a:endParaRPr>
-          </a:p>
-          <a:p>
-            <a:r>
-              <a:rPr kumimoji="1" lang="en-US" altLang="ja-JP" sz="2800" dirty="0">
-                <a:latin typeface="BIZ UDゴシック" panose="020B0400000000000000" pitchFamily="49" charset="-128"/>
-                <a:ea typeface="BIZ UDゴシック" panose="020B0400000000000000" pitchFamily="49" charset="-128"/>
-              </a:rPr>
-              <a:t>I sincerely appreciate your interest and support.</a:t>
-            </a:r>
-            <a:endParaRPr kumimoji="1" lang="ja-JP" altLang="en-US" sz="2800" dirty="0">
-              <a:latin typeface="BIZ UDゴシック" panose="020B0400000000000000" pitchFamily="49" charset="-128"/>
-              <a:ea typeface="BIZ UDゴシック" panose="020B0400000000000000" pitchFamily="49" charset="-128"/>
-            </a:endParaRPr>
-          </a:p>
-        </p:txBody>
-      </p:sp>
-    </p:spTree>
-    <p:extLst>
-      <p:ext uri="{BB962C8B-B14F-4D97-AF65-F5344CB8AC3E}">
-        <p14:creationId xmlns:p14="http://schemas.microsoft.com/office/powerpoint/2010/main" val="2981470037"/>
-      </p:ext>
-    </p:extLst>
-  </p:cSld>
-  <p:clrMapOvr>
-    <a:masterClrMapping/>
-  </p:clrMapOvr>
-</p:sld>
-</file>
-
-<file path=ppt/slides/slide3.xml><?xml version="1.0" encoding="utf-8"?>
 <p:sld xmlns:a="http://schemas.openxmlformats.org/drawingml/2006/main" xmlns:r="http://schemas.openxmlformats.org/officeDocument/2006/relationships" xmlns:p="http://schemas.openxmlformats.org/presentationml/2006/main">
   <p:cSld>
     <p:spTree>
@@ -4985,7 +4512,7 @@
 </p:sld>
 </file>
 
-<file path=ppt/slides/slide4.xml><?xml version="1.0" encoding="utf-8"?>
+<file path=ppt/slides/slide3.xml><?xml version="1.0" encoding="utf-8"?>
 <p:sld xmlns:a="http://schemas.openxmlformats.org/drawingml/2006/main" xmlns:r="http://schemas.openxmlformats.org/officeDocument/2006/relationships" xmlns:p="http://schemas.openxmlformats.org/presentationml/2006/main">
   <p:cSld>
     <p:spTree>
@@ -5236,7 +4763,7 @@
 </p:sld>
 </file>
 
-<file path=ppt/slides/slide5.xml><?xml version="1.0" encoding="utf-8"?>
+<file path=ppt/slides/slide4.xml><?xml version="1.0" encoding="utf-8"?>
 <p:sld xmlns:a="http://schemas.openxmlformats.org/drawingml/2006/main" xmlns:r="http://schemas.openxmlformats.org/officeDocument/2006/relationships" xmlns:p="http://schemas.openxmlformats.org/presentationml/2006/main">
   <p:cSld>
     <p:spTree>
@@ -5287,6 +4814,216 @@
     <p:extLst>
       <p:ext uri="{BB962C8B-B14F-4D97-AF65-F5344CB8AC3E}">
         <p14:creationId xmlns:p14="http://schemas.microsoft.com/office/powerpoint/2010/main" val="4134530579"/>
+      </p:ext>
+    </p:extLst>
+  </p:cSld>
+  <p:clrMapOvr>
+    <a:masterClrMapping/>
+  </p:clrMapOvr>
+</p:sld>
+</file>
+
+<file path=ppt/slides/slide5.xml><?xml version="1.0" encoding="utf-8"?>
+<p:sld xmlns:a="http://schemas.openxmlformats.org/drawingml/2006/main" xmlns:r="http://schemas.openxmlformats.org/officeDocument/2006/relationships" xmlns:p="http://schemas.openxmlformats.org/presentationml/2006/main">
+  <p:cSld>
+    <p:spTree>
+      <p:nvGrpSpPr>
+        <p:cNvPr id="1" name=""/>
+        <p:cNvGrpSpPr/>
+        <p:nvPr/>
+      </p:nvGrpSpPr>
+      <p:grpSpPr>
+        <a:xfrm>
+          <a:off x="0" y="0"/>
+          <a:ext cx="0" cy="0"/>
+          <a:chOff x="0" y="0"/>
+          <a:chExt cx="0" cy="0"/>
+        </a:xfrm>
+      </p:grpSpPr>
+      <p:sp>
+        <p:nvSpPr>
+          <p:cNvPr id="6" name="楕円 5">
+            <a:extLst>
+              <a:ext uri="{FF2B5EF4-FFF2-40B4-BE49-F238E27FC236}">
+                <a16:creationId xmlns:a16="http://schemas.microsoft.com/office/drawing/2014/main" id="{29BFECFB-DD59-E31F-BA3D-8A23F438835D}"/>
+              </a:ext>
+            </a:extLst>
+          </p:cNvPr>
+          <p:cNvSpPr/>
+          <p:nvPr/>
+        </p:nvSpPr>
+        <p:spPr>
+          <a:xfrm>
+            <a:off x="1158140" y="1026849"/>
+            <a:ext cx="4170219" cy="4170219"/>
+          </a:xfrm>
+          <a:prstGeom prst="ellipse">
+            <a:avLst/>
+          </a:prstGeom>
+          <a:solidFill>
+            <a:schemeClr val="accent1"/>
+          </a:solidFill>
+          <a:ln w="38100">
+            <a:solidFill>
+              <a:schemeClr val="accent1"/>
+            </a:solidFill>
+          </a:ln>
+        </p:spPr>
+        <p:style>
+          <a:lnRef idx="2">
+            <a:schemeClr val="accent1">
+              <a:shade val="15000"/>
+            </a:schemeClr>
+          </a:lnRef>
+          <a:fillRef idx="1">
+            <a:schemeClr val="accent1"/>
+          </a:fillRef>
+          <a:effectRef idx="0">
+            <a:schemeClr val="accent1"/>
+          </a:effectRef>
+          <a:fontRef idx="minor">
+            <a:schemeClr val="lt1"/>
+          </a:fontRef>
+        </p:style>
+        <p:txBody>
+          <a:bodyPr rtlCol="0" anchor="ctr"/>
+          <a:lstStyle/>
+          <a:p>
+            <a:pPr algn="ctr"/>
+            <a:endParaRPr kumimoji="1" lang="ja-JP" altLang="en-US"/>
+          </a:p>
+        </p:txBody>
+      </p:sp>
+      <p:pic>
+        <p:nvPicPr>
+          <p:cNvPr id="3" name="図 2" descr="図形&#10;&#10;中程度の精度で自動的に生成された説明">
+            <a:extLst>
+              <a:ext uri="{FF2B5EF4-FFF2-40B4-BE49-F238E27FC236}">
+                <a16:creationId xmlns:a16="http://schemas.microsoft.com/office/drawing/2014/main" id="{45E10336-B800-CA47-B78A-596F8EBD552E}"/>
+              </a:ext>
+            </a:extLst>
+          </p:cNvPr>
+          <p:cNvPicPr>
+            <a:picLocks noChangeAspect="1"/>
+          </p:cNvPicPr>
+          <p:nvPr/>
+        </p:nvPicPr>
+        <p:blipFill>
+          <a:blip r:embed="rId2">
+            <a:extLst>
+              <a:ext uri="{28A0092B-C50C-407E-A947-70E740481C1C}">
+                <a14:useLocalDpi xmlns:a14="http://schemas.microsoft.com/office/drawing/2010/main" val="0"/>
+              </a:ext>
+            </a:extLst>
+          </a:blip>
+          <a:stretch>
+            <a:fillRect/>
+          </a:stretch>
+        </p:blipFill>
+        <p:spPr>
+          <a:xfrm>
+            <a:off x="1862199" y="1748901"/>
+            <a:ext cx="2762102" cy="2823099"/>
+          </a:xfrm>
+          <a:prstGeom prst="rect">
+            <a:avLst/>
+          </a:prstGeom>
+        </p:spPr>
+      </p:pic>
+      <p:sp>
+        <p:nvSpPr>
+          <p:cNvPr id="7" name="楕円 6">
+            <a:extLst>
+              <a:ext uri="{FF2B5EF4-FFF2-40B4-BE49-F238E27FC236}">
+                <a16:creationId xmlns:a16="http://schemas.microsoft.com/office/drawing/2014/main" id="{3246BFA1-C4D4-B792-8927-8C012EA57F2A}"/>
+              </a:ext>
+            </a:extLst>
+          </p:cNvPr>
+          <p:cNvSpPr/>
+          <p:nvPr/>
+        </p:nvSpPr>
+        <p:spPr>
+          <a:xfrm>
+            <a:off x="6096000" y="1075340"/>
+            <a:ext cx="4170219" cy="4170219"/>
+          </a:xfrm>
+          <a:prstGeom prst="ellipse">
+            <a:avLst/>
+          </a:prstGeom>
+          <a:solidFill>
+            <a:schemeClr val="accent1"/>
+          </a:solidFill>
+          <a:ln w="38100">
+            <a:solidFill>
+              <a:schemeClr val="accent1"/>
+            </a:solidFill>
+          </a:ln>
+        </p:spPr>
+        <p:style>
+          <a:lnRef idx="2">
+            <a:schemeClr val="accent1">
+              <a:shade val="15000"/>
+            </a:schemeClr>
+          </a:lnRef>
+          <a:fillRef idx="1">
+            <a:schemeClr val="accent1"/>
+          </a:fillRef>
+          <a:effectRef idx="0">
+            <a:schemeClr val="accent1"/>
+          </a:effectRef>
+          <a:fontRef idx="minor">
+            <a:schemeClr val="lt1"/>
+          </a:fontRef>
+        </p:style>
+        <p:txBody>
+          <a:bodyPr rtlCol="0" anchor="ctr"/>
+          <a:lstStyle/>
+          <a:p>
+            <a:pPr algn="ctr"/>
+            <a:endParaRPr kumimoji="1" lang="ja-JP" altLang="en-US"/>
+          </a:p>
+        </p:txBody>
+      </p:sp>
+      <p:pic>
+        <p:nvPicPr>
+          <p:cNvPr id="18" name="図 17" descr="図形&#10;&#10;低い精度で自動的に生成された説明">
+            <a:extLst>
+              <a:ext uri="{FF2B5EF4-FFF2-40B4-BE49-F238E27FC236}">
+                <a16:creationId xmlns:a16="http://schemas.microsoft.com/office/drawing/2014/main" id="{B3BB2F2B-4FAD-C09C-00CB-56FC26F97454}"/>
+              </a:ext>
+            </a:extLst>
+          </p:cNvPr>
+          <p:cNvPicPr>
+            <a:picLocks noChangeAspect="1"/>
+          </p:cNvPicPr>
+          <p:nvPr/>
+        </p:nvPicPr>
+        <p:blipFill>
+          <a:blip r:embed="rId3">
+            <a:extLst>
+              <a:ext uri="{28A0092B-C50C-407E-A947-70E740481C1C}">
+                <a14:useLocalDpi xmlns:a14="http://schemas.microsoft.com/office/drawing/2010/main" val="0"/>
+              </a:ext>
+            </a:extLst>
+          </a:blip>
+          <a:stretch>
+            <a:fillRect/>
+          </a:stretch>
+        </p:blipFill>
+        <p:spPr>
+          <a:xfrm>
+            <a:off x="6706704" y="1686727"/>
+            <a:ext cx="2948809" cy="2947444"/>
+          </a:xfrm>
+          <a:prstGeom prst="rect">
+            <a:avLst/>
+          </a:prstGeom>
+        </p:spPr>
+      </p:pic>
+    </p:spTree>
+    <p:extLst>
+      <p:ext uri="{BB962C8B-B14F-4D97-AF65-F5344CB8AC3E}">
+        <p14:creationId xmlns:p14="http://schemas.microsoft.com/office/powerpoint/2010/main" val="2731732950"/>
       </p:ext>
     </p:extLst>
   </p:cSld>
@@ -5315,10 +5052,10 @@
       </p:grpSpPr>
       <p:sp>
         <p:nvSpPr>
-          <p:cNvPr id="6" name="楕円 5">
-            <a:extLst>
-              <a:ext uri="{FF2B5EF4-FFF2-40B4-BE49-F238E27FC236}">
-                <a16:creationId xmlns:a16="http://schemas.microsoft.com/office/drawing/2014/main" id="{29BFECFB-DD59-E31F-BA3D-8A23F438835D}"/>
+          <p:cNvPr id="2" name="楕円 1">
+            <a:extLst>
+              <a:ext uri="{FF2B5EF4-FFF2-40B4-BE49-F238E27FC236}">
+                <a16:creationId xmlns:a16="http://schemas.microsoft.com/office/drawing/2014/main" id="{F0AA4FD5-F7B7-F126-C73C-117F18C540DC}"/>
               </a:ext>
             </a:extLst>
           </p:cNvPr>
@@ -5333,12 +5070,10 @@
           <a:prstGeom prst="ellipse">
             <a:avLst/>
           </a:prstGeom>
-          <a:solidFill>
-            <a:schemeClr val="accent1"/>
-          </a:solidFill>
+          <a:noFill/>
           <a:ln w="38100">
             <a:solidFill>
-              <a:schemeClr val="accent1"/>
+              <a:schemeClr val="tx1"/>
             </a:solidFill>
           </a:ln>
         </p:spPr>
@@ -5372,7 +5107,7 @@
           <p:cNvPr id="3" name="図 2" descr="図形&#10;&#10;中程度の精度で自動的に生成された説明">
             <a:extLst>
               <a:ext uri="{FF2B5EF4-FFF2-40B4-BE49-F238E27FC236}">
-                <a16:creationId xmlns:a16="http://schemas.microsoft.com/office/drawing/2014/main" id="{45E10336-B800-CA47-B78A-596F8EBD552E}"/>
+                <a16:creationId xmlns:a16="http://schemas.microsoft.com/office/drawing/2014/main" id="{5003CD67-2836-13B3-8C68-69748CE7B1E6}"/>
               </a:ext>
             </a:extLst>
           </p:cNvPr>
@@ -5405,10 +5140,10 @@
       </p:pic>
       <p:sp>
         <p:nvSpPr>
-          <p:cNvPr id="7" name="楕円 6">
-            <a:extLst>
-              <a:ext uri="{FF2B5EF4-FFF2-40B4-BE49-F238E27FC236}">
-                <a16:creationId xmlns:a16="http://schemas.microsoft.com/office/drawing/2014/main" id="{3246BFA1-C4D4-B792-8927-8C012EA57F2A}"/>
+          <p:cNvPr id="4" name="楕円 3">
+            <a:extLst>
+              <a:ext uri="{FF2B5EF4-FFF2-40B4-BE49-F238E27FC236}">
+                <a16:creationId xmlns:a16="http://schemas.microsoft.com/office/drawing/2014/main" id="{B5313F08-8BA2-E2B9-4A0F-FE5910601F29}"/>
               </a:ext>
             </a:extLst>
           </p:cNvPr>
@@ -5423,12 +5158,10 @@
           <a:prstGeom prst="ellipse">
             <a:avLst/>
           </a:prstGeom>
-          <a:solidFill>
-            <a:schemeClr val="accent1"/>
-          </a:solidFill>
+          <a:noFill/>
           <a:ln w="38100">
             <a:solidFill>
-              <a:schemeClr val="accent1"/>
+              <a:schemeClr val="tx1"/>
             </a:solidFill>
           </a:ln>
         </p:spPr>
@@ -5459,10 +5192,10 @@
       </p:sp>
       <p:pic>
         <p:nvPicPr>
-          <p:cNvPr id="18" name="図 17" descr="図形&#10;&#10;低い精度で自動的に生成された説明">
-            <a:extLst>
-              <a:ext uri="{FF2B5EF4-FFF2-40B4-BE49-F238E27FC236}">
-                <a16:creationId xmlns:a16="http://schemas.microsoft.com/office/drawing/2014/main" id="{B3BB2F2B-4FAD-C09C-00CB-56FC26F97454}"/>
+          <p:cNvPr id="5" name="図 4" descr="図形&#10;&#10;低い精度で自動的に生成された説明">
+            <a:extLst>
+              <a:ext uri="{FF2B5EF4-FFF2-40B4-BE49-F238E27FC236}">
+                <a16:creationId xmlns:a16="http://schemas.microsoft.com/office/drawing/2014/main" id="{F55BE4DC-27FA-648D-24BD-C2D2C8B07B69}"/>
               </a:ext>
             </a:extLst>
           </p:cNvPr>
@@ -5496,7 +5229,7 @@
     </p:spTree>
     <p:extLst>
       <p:ext uri="{BB962C8B-B14F-4D97-AF65-F5344CB8AC3E}">
-        <p14:creationId xmlns:p14="http://schemas.microsoft.com/office/powerpoint/2010/main" val="2731732950"/>
+        <p14:creationId xmlns:p14="http://schemas.microsoft.com/office/powerpoint/2010/main" val="3701475980"/>
       </p:ext>
     </p:extLst>
   </p:cSld>
@@ -5525,10 +5258,10 @@
       </p:grpSpPr>
       <p:sp>
         <p:nvSpPr>
-          <p:cNvPr id="2" name="楕円 1">
-            <a:extLst>
-              <a:ext uri="{FF2B5EF4-FFF2-40B4-BE49-F238E27FC236}">
-                <a16:creationId xmlns:a16="http://schemas.microsoft.com/office/drawing/2014/main" id="{F0AA4FD5-F7B7-F126-C73C-117F18C540DC}"/>
+          <p:cNvPr id="8" name="楕円 7">
+            <a:extLst>
+              <a:ext uri="{FF2B5EF4-FFF2-40B4-BE49-F238E27FC236}">
+                <a16:creationId xmlns:a16="http://schemas.microsoft.com/office/drawing/2014/main" id="{88EB51C5-1216-F96F-9BB4-ACCE051B9183}"/>
               </a:ext>
             </a:extLst>
           </p:cNvPr>
@@ -5537,16 +5270,24 @@
         </p:nvSpPr>
         <p:spPr>
           <a:xfrm>
-            <a:off x="1158140" y="1026849"/>
-            <a:ext cx="4170219" cy="4170219"/>
+            <a:off x="6616252" y="1112784"/>
+            <a:ext cx="4632431" cy="4632431"/>
           </a:xfrm>
           <a:prstGeom prst="ellipse">
             <a:avLst/>
           </a:prstGeom>
-          <a:noFill/>
+          <a:solidFill>
+            <a:schemeClr val="tx2">
+              <a:lumMod val="75000"/>
+              <a:lumOff val="25000"/>
+            </a:schemeClr>
+          </a:solidFill>
           <a:ln w="38100">
             <a:solidFill>
-              <a:schemeClr val="tx1"/>
+              <a:schemeClr val="tx2">
+                <a:lumMod val="75000"/>
+                <a:lumOff val="25000"/>
+              </a:schemeClr>
             </a:solidFill>
           </a:ln>
         </p:spPr>
@@ -5575,48 +5316,12 @@
           </a:p>
         </p:txBody>
       </p:sp>
-      <p:pic>
-        <p:nvPicPr>
-          <p:cNvPr id="3" name="図 2" descr="図形&#10;&#10;中程度の精度で自動的に生成された説明">
-            <a:extLst>
-              <a:ext uri="{FF2B5EF4-FFF2-40B4-BE49-F238E27FC236}">
-                <a16:creationId xmlns:a16="http://schemas.microsoft.com/office/drawing/2014/main" id="{5003CD67-2836-13B3-8C68-69748CE7B1E6}"/>
-              </a:ext>
-            </a:extLst>
-          </p:cNvPr>
-          <p:cNvPicPr>
-            <a:picLocks noChangeAspect="1"/>
-          </p:cNvPicPr>
-          <p:nvPr/>
-        </p:nvPicPr>
-        <p:blipFill>
-          <a:blip r:embed="rId2">
-            <a:extLst>
-              <a:ext uri="{28A0092B-C50C-407E-A947-70E740481C1C}">
-                <a14:useLocalDpi xmlns:a14="http://schemas.microsoft.com/office/drawing/2010/main" val="0"/>
-              </a:ext>
-            </a:extLst>
-          </a:blip>
-          <a:stretch>
-            <a:fillRect/>
-          </a:stretch>
-        </p:blipFill>
-        <p:spPr>
-          <a:xfrm>
-            <a:off x="1862199" y="1748901"/>
-            <a:ext cx="2762102" cy="2823099"/>
-          </a:xfrm>
-          <a:prstGeom prst="rect">
-            <a:avLst/>
-          </a:prstGeom>
-        </p:spPr>
-      </p:pic>
       <p:sp>
         <p:nvSpPr>
           <p:cNvPr id="4" name="楕円 3">
             <a:extLst>
               <a:ext uri="{FF2B5EF4-FFF2-40B4-BE49-F238E27FC236}">
-                <a16:creationId xmlns:a16="http://schemas.microsoft.com/office/drawing/2014/main" id="{B5313F08-8BA2-E2B9-4A0F-FE5910601F29}"/>
+                <a16:creationId xmlns:a16="http://schemas.microsoft.com/office/drawing/2014/main" id="{610BF077-BC76-FFA7-9080-00B6AEA8CBF1}"/>
               </a:ext>
             </a:extLst>
           </p:cNvPr>
@@ -5625,16 +5330,24 @@
         </p:nvSpPr>
         <p:spPr>
           <a:xfrm>
-            <a:off x="6096000" y="1075340"/>
-            <a:ext cx="4170219" cy="4170219"/>
+            <a:off x="1463569" y="1112784"/>
+            <a:ext cx="4632431" cy="4632431"/>
           </a:xfrm>
           <a:prstGeom prst="ellipse">
             <a:avLst/>
           </a:prstGeom>
-          <a:noFill/>
+          <a:solidFill>
+            <a:schemeClr val="tx2">
+              <a:lumMod val="75000"/>
+              <a:lumOff val="25000"/>
+            </a:schemeClr>
+          </a:solidFill>
           <a:ln w="38100">
             <a:solidFill>
-              <a:schemeClr val="tx1"/>
+              <a:schemeClr val="tx2">
+                <a:lumMod val="75000"/>
+                <a:lumOff val="25000"/>
+              </a:schemeClr>
             </a:solidFill>
           </a:ln>
         </p:spPr>
@@ -5665,10 +5378,46 @@
       </p:sp>
       <p:pic>
         <p:nvPicPr>
-          <p:cNvPr id="5" name="図 4" descr="図形&#10;&#10;低い精度で自動的に生成された説明">
-            <a:extLst>
-              <a:ext uri="{FF2B5EF4-FFF2-40B4-BE49-F238E27FC236}">
-                <a16:creationId xmlns:a16="http://schemas.microsoft.com/office/drawing/2014/main" id="{F55BE4DC-27FA-648D-24BD-C2D2C8B07B69}"/>
+          <p:cNvPr id="3" name="図 2" descr="アイコン&#10;&#10;自動的に生成された説明">
+            <a:extLst>
+              <a:ext uri="{FF2B5EF4-FFF2-40B4-BE49-F238E27FC236}">
+                <a16:creationId xmlns:a16="http://schemas.microsoft.com/office/drawing/2014/main" id="{EAFE8BF0-BDD4-5A94-5D29-C7764B9D24D2}"/>
+              </a:ext>
+            </a:extLst>
+          </p:cNvPr>
+          <p:cNvPicPr>
+            <a:picLocks noChangeAspect="1"/>
+          </p:cNvPicPr>
+          <p:nvPr/>
+        </p:nvPicPr>
+        <p:blipFill>
+          <a:blip r:embed="rId2">
+            <a:extLst>
+              <a:ext uri="{28A0092B-C50C-407E-A947-70E740481C1C}">
+                <a14:useLocalDpi xmlns:a14="http://schemas.microsoft.com/office/drawing/2010/main" val="0"/>
+              </a:ext>
+            </a:extLst>
+          </a:blip>
+          <a:stretch>
+            <a:fillRect/>
+          </a:stretch>
+        </p:blipFill>
+        <p:spPr>
+          <a:xfrm>
+            <a:off x="2331587" y="1925076"/>
+            <a:ext cx="2942859" cy="3007847"/>
+          </a:xfrm>
+          <a:prstGeom prst="rect">
+            <a:avLst/>
+          </a:prstGeom>
+        </p:spPr>
+      </p:pic>
+      <p:pic>
+        <p:nvPicPr>
+          <p:cNvPr id="6" name="図 5" descr="アイコン&#10;&#10;自動的に生成された説明">
+            <a:extLst>
+              <a:ext uri="{FF2B5EF4-FFF2-40B4-BE49-F238E27FC236}">
+                <a16:creationId xmlns:a16="http://schemas.microsoft.com/office/drawing/2014/main" id="{5319C37B-82B9-5EC9-ADD4-AE4E1F6CDCE9}"/>
               </a:ext>
             </a:extLst>
           </p:cNvPr>
@@ -5691,8 +5440,8 @@
         </p:blipFill>
         <p:spPr>
           <a:xfrm>
-            <a:off x="6706704" y="1686727"/>
-            <a:ext cx="2948809" cy="2947444"/>
+            <a:off x="7263811" y="1778896"/>
+            <a:ext cx="3337312" cy="3335767"/>
           </a:xfrm>
           <a:prstGeom prst="rect">
             <a:avLst/>
@@ -5702,7 +5451,7 @@
     </p:spTree>
     <p:extLst>
       <p:ext uri="{BB962C8B-B14F-4D97-AF65-F5344CB8AC3E}">
-        <p14:creationId xmlns:p14="http://schemas.microsoft.com/office/powerpoint/2010/main" val="3701475980"/>
+        <p14:creationId xmlns:p14="http://schemas.microsoft.com/office/powerpoint/2010/main" val="135253499"/>
       </p:ext>
     </p:extLst>
   </p:cSld>
@@ -5729,132 +5478,137 @@
           <a:chExt cx="0" cy="0"/>
         </a:xfrm>
       </p:grpSpPr>
-      <p:sp>
-        <p:nvSpPr>
-          <p:cNvPr id="8" name="楕円 7">
-            <a:extLst>
-              <a:ext uri="{FF2B5EF4-FFF2-40B4-BE49-F238E27FC236}">
-                <a16:creationId xmlns:a16="http://schemas.microsoft.com/office/drawing/2014/main" id="{88EB51C5-1216-F96F-9BB4-ACCE051B9183}"/>
-              </a:ext>
-            </a:extLst>
-          </p:cNvPr>
-          <p:cNvSpPr/>
+      <p:cxnSp>
+        <p:nvCxnSpPr>
+          <p:cNvPr id="3" name="直線コネクタ 2">
+            <a:extLst>
+              <a:ext uri="{FF2B5EF4-FFF2-40B4-BE49-F238E27FC236}">
+                <a16:creationId xmlns:a16="http://schemas.microsoft.com/office/drawing/2014/main" id="{58661556-C548-146F-0B42-600057A1F6EB}"/>
+              </a:ext>
+            </a:extLst>
+          </p:cNvPr>
+          <p:cNvCxnSpPr>
+            <a:cxnSpLocks/>
+          </p:cNvCxnSpPr>
           <p:nvPr/>
-        </p:nvSpPr>
-        <p:spPr>
-          <a:xfrm>
-            <a:off x="6616252" y="1112784"/>
-            <a:ext cx="4632431" cy="4632431"/>
-          </a:xfrm>
-          <a:prstGeom prst="ellipse">
+        </p:nvCxnSpPr>
+        <p:spPr>
+          <a:xfrm>
+            <a:off x="2147454" y="588819"/>
+            <a:ext cx="2466109" cy="0"/>
+          </a:xfrm>
+          <a:prstGeom prst="line">
             <a:avLst/>
           </a:prstGeom>
-          <a:solidFill>
-            <a:schemeClr val="tx2">
-              <a:lumMod val="75000"/>
-              <a:lumOff val="25000"/>
-            </a:schemeClr>
-          </a:solidFill>
-          <a:ln w="38100">
+          <a:ln>
             <a:solidFill>
-              <a:schemeClr val="tx2">
-                <a:lumMod val="75000"/>
-                <a:lumOff val="25000"/>
-              </a:schemeClr>
+              <a:schemeClr val="tx1"/>
             </a:solidFill>
           </a:ln>
         </p:spPr>
         <p:style>
           <a:lnRef idx="2">
-            <a:schemeClr val="accent1">
-              <a:shade val="15000"/>
-            </a:schemeClr>
+            <a:schemeClr val="accent1"/>
           </a:lnRef>
-          <a:fillRef idx="1">
+          <a:fillRef idx="0">
             <a:schemeClr val="accent1"/>
           </a:fillRef>
-          <a:effectRef idx="0">
+          <a:effectRef idx="1">
             <a:schemeClr val="accent1"/>
           </a:effectRef>
           <a:fontRef idx="minor">
-            <a:schemeClr val="lt1"/>
+            <a:schemeClr val="tx1"/>
           </a:fontRef>
         </p:style>
-        <p:txBody>
-          <a:bodyPr rtlCol="0" anchor="ctr"/>
-          <a:lstStyle/>
-          <a:p>
-            <a:pPr algn="ctr"/>
-            <a:endParaRPr kumimoji="1" lang="ja-JP" altLang="en-US"/>
-          </a:p>
-        </p:txBody>
-      </p:sp>
-      <p:sp>
-        <p:nvSpPr>
-          <p:cNvPr id="4" name="楕円 3">
-            <a:extLst>
-              <a:ext uri="{FF2B5EF4-FFF2-40B4-BE49-F238E27FC236}">
-                <a16:creationId xmlns:a16="http://schemas.microsoft.com/office/drawing/2014/main" id="{610BF077-BC76-FFA7-9080-00B6AEA8CBF1}"/>
-              </a:ext>
-            </a:extLst>
-          </p:cNvPr>
-          <p:cNvSpPr/>
+      </p:cxnSp>
+      <p:cxnSp>
+        <p:nvCxnSpPr>
+          <p:cNvPr id="5" name="直線コネクタ 4">
+            <a:extLst>
+              <a:ext uri="{FF2B5EF4-FFF2-40B4-BE49-F238E27FC236}">
+                <a16:creationId xmlns:a16="http://schemas.microsoft.com/office/drawing/2014/main" id="{1BD0A406-34A7-2746-13C8-925A1457EA69}"/>
+              </a:ext>
+            </a:extLst>
+          </p:cNvPr>
+          <p:cNvCxnSpPr>
+            <a:cxnSpLocks/>
+          </p:cNvCxnSpPr>
           <p:nvPr/>
-        </p:nvSpPr>
-        <p:spPr>
-          <a:xfrm>
-            <a:off x="1463569" y="1112784"/>
-            <a:ext cx="4632431" cy="4632431"/>
-          </a:xfrm>
-          <a:prstGeom prst="ellipse">
+        </p:nvCxnSpPr>
+        <p:spPr>
+          <a:xfrm>
+            <a:off x="5638799" y="568874"/>
+            <a:ext cx="2826327" cy="0"/>
+          </a:xfrm>
+          <a:prstGeom prst="line">
             <a:avLst/>
           </a:prstGeom>
-          <a:solidFill>
-            <a:schemeClr val="tx2">
-              <a:lumMod val="75000"/>
-              <a:lumOff val="25000"/>
-            </a:schemeClr>
-          </a:solidFill>
-          <a:ln w="38100">
+          <a:ln>
             <a:solidFill>
-              <a:schemeClr val="tx2">
-                <a:lumMod val="75000"/>
-                <a:lumOff val="25000"/>
-              </a:schemeClr>
+              <a:schemeClr val="tx1"/>
             </a:solidFill>
           </a:ln>
         </p:spPr>
         <p:style>
           <a:lnRef idx="2">
-            <a:schemeClr val="accent1">
-              <a:shade val="15000"/>
-            </a:schemeClr>
+            <a:schemeClr val="accent1"/>
           </a:lnRef>
-          <a:fillRef idx="1">
+          <a:fillRef idx="0">
             <a:schemeClr val="accent1"/>
           </a:fillRef>
-          <a:effectRef idx="0">
+          <a:effectRef idx="1">
             <a:schemeClr val="accent1"/>
           </a:effectRef>
           <a:fontRef idx="minor">
-            <a:schemeClr val="lt1"/>
+            <a:schemeClr val="tx1"/>
           </a:fontRef>
         </p:style>
-        <p:txBody>
-          <a:bodyPr rtlCol="0" anchor="ctr"/>
-          <a:lstStyle/>
-          <a:p>
-            <a:pPr algn="ctr"/>
-            <a:endParaRPr kumimoji="1" lang="ja-JP" altLang="en-US"/>
+      </p:cxnSp>
+      <p:sp>
+        <p:nvSpPr>
+          <p:cNvPr id="6" name="テキスト ボックス 5">
+            <a:extLst>
+              <a:ext uri="{FF2B5EF4-FFF2-40B4-BE49-F238E27FC236}">
+                <a16:creationId xmlns:a16="http://schemas.microsoft.com/office/drawing/2014/main" id="{D7D27A24-D16B-AA32-BADF-FD2D546A577E}"/>
+              </a:ext>
+            </a:extLst>
+          </p:cNvPr>
+          <p:cNvSpPr txBox="1"/>
+          <p:nvPr/>
+        </p:nvSpPr>
+        <p:spPr>
+          <a:xfrm>
+            <a:off x="4745182" y="388764"/>
+            <a:ext cx="893617" cy="400110"/>
+          </a:xfrm>
+          <a:prstGeom prst="rect">
+            <a:avLst/>
+          </a:prstGeom>
+          <a:noFill/>
+        </p:spPr>
+        <p:txBody>
+          <a:bodyPr wrap="square" rtlCol="0">
+            <a:spAutoFit/>
+          </a:bodyPr>
+          <a:lstStyle/>
+          <a:p>
+            <a:r>
+              <a:rPr kumimoji="1" lang="en-US" altLang="ja-JP" sz="2000" dirty="0"/>
+              <a:t>4</a:t>
+            </a:r>
+            <a:r>
+              <a:rPr kumimoji="1" lang="ja-JP" altLang="en-US" sz="2000" dirty="0"/>
+              <a:t>年生</a:t>
+            </a:r>
           </a:p>
         </p:txBody>
       </p:sp>
       <p:pic>
         <p:nvPicPr>
-          <p:cNvPr id="3" name="図 2" descr="アイコン&#10;&#10;自動的に生成された説明">
-            <a:extLst>
-              <a:ext uri="{FF2B5EF4-FFF2-40B4-BE49-F238E27FC236}">
-                <a16:creationId xmlns:a16="http://schemas.microsoft.com/office/drawing/2014/main" id="{EAFE8BF0-BDD4-5A94-5D29-C7764B9D24D2}"/>
+          <p:cNvPr id="8" name="図 7">
+            <a:extLst>
+              <a:ext uri="{FF2B5EF4-FFF2-40B4-BE49-F238E27FC236}">
+                <a16:creationId xmlns:a16="http://schemas.microsoft.com/office/drawing/2014/main" id="{AFA64369-DC1A-2EDD-2CBB-C6014B7A6138}"/>
               </a:ext>
             </a:extLst>
           </p:cNvPr>
@@ -5864,33 +5618,456 @@
           <p:nvPr/>
         </p:nvPicPr>
         <p:blipFill>
-          <a:blip r:embed="rId2">
-            <a:extLst>
-              <a:ext uri="{28A0092B-C50C-407E-A947-70E740481C1C}">
-                <a14:useLocalDpi xmlns:a14="http://schemas.microsoft.com/office/drawing/2010/main" val="0"/>
-              </a:ext>
-            </a:extLst>
-          </a:blip>
+          <a:blip r:embed="rId2"/>
           <a:stretch>
             <a:fillRect/>
           </a:stretch>
         </p:blipFill>
         <p:spPr>
           <a:xfrm>
-            <a:off x="2331587" y="1925076"/>
-            <a:ext cx="2942859" cy="3007847"/>
+            <a:off x="2608119" y="1054873"/>
+            <a:ext cx="1530926" cy="2018908"/>
           </a:xfrm>
           <a:prstGeom prst="rect">
             <a:avLst/>
           </a:prstGeom>
         </p:spPr>
       </p:pic>
+      <p:sp>
+        <p:nvSpPr>
+          <p:cNvPr id="9" name="テキスト ボックス 8">
+            <a:extLst>
+              <a:ext uri="{FF2B5EF4-FFF2-40B4-BE49-F238E27FC236}">
+                <a16:creationId xmlns:a16="http://schemas.microsoft.com/office/drawing/2014/main" id="{39A54BAB-6358-AC70-01B2-D08AED747B86}"/>
+              </a:ext>
+            </a:extLst>
+          </p:cNvPr>
+          <p:cNvSpPr txBox="1"/>
+          <p:nvPr/>
+        </p:nvSpPr>
+        <p:spPr>
+          <a:xfrm>
+            <a:off x="5555671" y="1136845"/>
+            <a:ext cx="2182093" cy="461665"/>
+          </a:xfrm>
+          <a:prstGeom prst="rect">
+            <a:avLst/>
+          </a:prstGeom>
+          <a:noFill/>
+        </p:spPr>
+        <p:txBody>
+          <a:bodyPr wrap="square" rtlCol="0">
+            <a:spAutoFit/>
+          </a:bodyPr>
+          <a:lstStyle/>
+          <a:p>
+            <a:r>
+              <a:rPr kumimoji="1" lang="ja-JP" altLang="en-US" sz="2400" dirty="0"/>
+              <a:t>佐々木 康太郎</a:t>
+            </a:r>
+          </a:p>
+        </p:txBody>
+      </p:sp>
+      <p:sp>
+        <p:nvSpPr>
+          <p:cNvPr id="10" name="テキスト ボックス 9">
+            <a:extLst>
+              <a:ext uri="{FF2B5EF4-FFF2-40B4-BE49-F238E27FC236}">
+                <a16:creationId xmlns:a16="http://schemas.microsoft.com/office/drawing/2014/main" id="{A5364236-C148-DD75-66A0-AFBEDCD3D548}"/>
+              </a:ext>
+            </a:extLst>
+          </p:cNvPr>
+          <p:cNvSpPr txBox="1"/>
+          <p:nvPr/>
+        </p:nvSpPr>
+        <p:spPr>
+          <a:xfrm>
+            <a:off x="5555671" y="1777204"/>
+            <a:ext cx="1877291" cy="338554"/>
+          </a:xfrm>
+          <a:prstGeom prst="rect">
+            <a:avLst/>
+          </a:prstGeom>
+          <a:noFill/>
+        </p:spPr>
+        <p:txBody>
+          <a:bodyPr wrap="square" rtlCol="0">
+            <a:spAutoFit/>
+          </a:bodyPr>
+          <a:lstStyle/>
+          <a:p>
+            <a:r>
+              <a:rPr lang="ja-JP" altLang="en-US" sz="1600" dirty="0"/>
+              <a:t>専攻：水産学</a:t>
+            </a:r>
+            <a:endParaRPr kumimoji="1" lang="ja-JP" altLang="en-US" sz="1600" dirty="0"/>
+          </a:p>
+        </p:txBody>
+      </p:sp>
+      <p:cxnSp>
+        <p:nvCxnSpPr>
+          <p:cNvPr id="11" name="直線コネクタ 10">
+            <a:extLst>
+              <a:ext uri="{FF2B5EF4-FFF2-40B4-BE49-F238E27FC236}">
+                <a16:creationId xmlns:a16="http://schemas.microsoft.com/office/drawing/2014/main" id="{1DD775F9-E29F-BDB7-5D2F-C305A697C755}"/>
+              </a:ext>
+            </a:extLst>
+          </p:cNvPr>
+          <p:cNvCxnSpPr>
+            <a:cxnSpLocks/>
+          </p:cNvCxnSpPr>
+          <p:nvPr/>
+        </p:nvCxnSpPr>
+        <p:spPr>
+          <a:xfrm>
+            <a:off x="5555671" y="2479964"/>
+            <a:ext cx="2576948" cy="0"/>
+          </a:xfrm>
+          <a:prstGeom prst="line">
+            <a:avLst/>
+          </a:prstGeom>
+          <a:ln>
+            <a:solidFill>
+              <a:schemeClr val="bg1">
+                <a:lumMod val="65000"/>
+              </a:schemeClr>
+            </a:solidFill>
+          </a:ln>
+        </p:spPr>
+        <p:style>
+          <a:lnRef idx="2">
+            <a:schemeClr val="accent1"/>
+          </a:lnRef>
+          <a:fillRef idx="0">
+            <a:schemeClr val="accent1"/>
+          </a:fillRef>
+          <a:effectRef idx="1">
+            <a:schemeClr val="accent1"/>
+          </a:effectRef>
+          <a:fontRef idx="minor">
+            <a:schemeClr val="tx1"/>
+          </a:fontRef>
+        </p:style>
+      </p:cxnSp>
+      <p:sp>
+        <p:nvSpPr>
+          <p:cNvPr id="13" name="テキスト ボックス 12">
+            <a:extLst>
+              <a:ext uri="{FF2B5EF4-FFF2-40B4-BE49-F238E27FC236}">
+                <a16:creationId xmlns:a16="http://schemas.microsoft.com/office/drawing/2014/main" id="{AC93EAD6-CAED-C04A-AC46-293AE366556F}"/>
+              </a:ext>
+            </a:extLst>
+          </p:cNvPr>
+          <p:cNvSpPr txBox="1"/>
+          <p:nvPr/>
+        </p:nvSpPr>
+        <p:spPr>
+          <a:xfrm>
+            <a:off x="5486400" y="2594880"/>
+            <a:ext cx="2646219" cy="307777"/>
+          </a:xfrm>
+          <a:prstGeom prst="rect">
+            <a:avLst/>
+          </a:prstGeom>
+          <a:noFill/>
+        </p:spPr>
+        <p:txBody>
+          <a:bodyPr wrap="square" rtlCol="0">
+            <a:spAutoFit/>
+          </a:bodyPr>
+          <a:lstStyle/>
+          <a:p>
+            <a:r>
+              <a:rPr lang="ja-JP" altLang="en-US" sz="1400" dirty="0"/>
+              <a:t>おもしろさに全ベット</a:t>
+            </a:r>
+            <a:endParaRPr kumimoji="1" lang="ja-JP" altLang="en-US" sz="1400" dirty="0"/>
+          </a:p>
+        </p:txBody>
+      </p:sp>
+      <p:cxnSp>
+        <p:nvCxnSpPr>
+          <p:cNvPr id="14" name="直線コネクタ 13">
+            <a:extLst>
+              <a:ext uri="{FF2B5EF4-FFF2-40B4-BE49-F238E27FC236}">
+                <a16:creationId xmlns:a16="http://schemas.microsoft.com/office/drawing/2014/main" id="{8CB6691C-B724-76D4-BD9C-F8909EC2923F}"/>
+              </a:ext>
+            </a:extLst>
+          </p:cNvPr>
+          <p:cNvCxnSpPr>
+            <a:cxnSpLocks/>
+          </p:cNvCxnSpPr>
+          <p:nvPr/>
+        </p:nvCxnSpPr>
+        <p:spPr>
+          <a:xfrm>
+            <a:off x="2147454" y="3318166"/>
+            <a:ext cx="2466109" cy="0"/>
+          </a:xfrm>
+          <a:prstGeom prst="line">
+            <a:avLst/>
+          </a:prstGeom>
+          <a:ln>
+            <a:solidFill>
+              <a:schemeClr val="tx1"/>
+            </a:solidFill>
+          </a:ln>
+        </p:spPr>
+        <p:style>
+          <a:lnRef idx="2">
+            <a:schemeClr val="accent1"/>
+          </a:lnRef>
+          <a:fillRef idx="0">
+            <a:schemeClr val="accent1"/>
+          </a:fillRef>
+          <a:effectRef idx="1">
+            <a:schemeClr val="accent1"/>
+          </a:effectRef>
+          <a:fontRef idx="minor">
+            <a:schemeClr val="tx1"/>
+          </a:fontRef>
+        </p:style>
+      </p:cxnSp>
+      <p:cxnSp>
+        <p:nvCxnSpPr>
+          <p:cNvPr id="15" name="直線コネクタ 14">
+            <a:extLst>
+              <a:ext uri="{FF2B5EF4-FFF2-40B4-BE49-F238E27FC236}">
+                <a16:creationId xmlns:a16="http://schemas.microsoft.com/office/drawing/2014/main" id="{10559E4B-3E2C-2D33-90C7-4C8D7CB2D4C8}"/>
+              </a:ext>
+            </a:extLst>
+          </p:cNvPr>
+          <p:cNvCxnSpPr>
+            <a:cxnSpLocks/>
+          </p:cNvCxnSpPr>
+          <p:nvPr/>
+        </p:nvCxnSpPr>
+        <p:spPr>
+          <a:xfrm>
+            <a:off x="5638799" y="3298221"/>
+            <a:ext cx="2826327" cy="0"/>
+          </a:xfrm>
+          <a:prstGeom prst="line">
+            <a:avLst/>
+          </a:prstGeom>
+          <a:ln>
+            <a:solidFill>
+              <a:schemeClr val="tx1"/>
+            </a:solidFill>
+          </a:ln>
+        </p:spPr>
+        <p:style>
+          <a:lnRef idx="2">
+            <a:schemeClr val="accent1"/>
+          </a:lnRef>
+          <a:fillRef idx="0">
+            <a:schemeClr val="accent1"/>
+          </a:fillRef>
+          <a:effectRef idx="1">
+            <a:schemeClr val="accent1"/>
+          </a:effectRef>
+          <a:fontRef idx="minor">
+            <a:schemeClr val="tx1"/>
+          </a:fontRef>
+        </p:style>
+      </p:cxnSp>
+      <p:sp>
+        <p:nvSpPr>
+          <p:cNvPr id="16" name="テキスト ボックス 15">
+            <a:extLst>
+              <a:ext uri="{FF2B5EF4-FFF2-40B4-BE49-F238E27FC236}">
+                <a16:creationId xmlns:a16="http://schemas.microsoft.com/office/drawing/2014/main" id="{27007B14-955E-9C4B-B754-399FE63AC27E}"/>
+              </a:ext>
+            </a:extLst>
+          </p:cNvPr>
+          <p:cNvSpPr txBox="1"/>
+          <p:nvPr/>
+        </p:nvSpPr>
+        <p:spPr>
+          <a:xfrm>
+            <a:off x="4745182" y="3118111"/>
+            <a:ext cx="893617" cy="400110"/>
+          </a:xfrm>
+          <a:prstGeom prst="rect">
+            <a:avLst/>
+          </a:prstGeom>
+          <a:noFill/>
+        </p:spPr>
+        <p:txBody>
+          <a:bodyPr wrap="square" rtlCol="0">
+            <a:spAutoFit/>
+          </a:bodyPr>
+          <a:lstStyle/>
+          <a:p>
+            <a:r>
+              <a:rPr kumimoji="1" lang="en-US" altLang="ja-JP" sz="2000" dirty="0"/>
+              <a:t>3</a:t>
+            </a:r>
+            <a:r>
+              <a:rPr kumimoji="1" lang="ja-JP" altLang="en-US" sz="2000" dirty="0"/>
+              <a:t>年生</a:t>
+            </a:r>
+          </a:p>
+        </p:txBody>
+      </p:sp>
+      <p:sp>
+        <p:nvSpPr>
+          <p:cNvPr id="18" name="テキスト ボックス 17">
+            <a:extLst>
+              <a:ext uri="{FF2B5EF4-FFF2-40B4-BE49-F238E27FC236}">
+                <a16:creationId xmlns:a16="http://schemas.microsoft.com/office/drawing/2014/main" id="{67F0AD96-3A9A-F1AA-5AD1-AF5729E1FD5C}"/>
+              </a:ext>
+            </a:extLst>
+          </p:cNvPr>
+          <p:cNvSpPr txBox="1"/>
+          <p:nvPr/>
+        </p:nvSpPr>
+        <p:spPr>
+          <a:xfrm>
+            <a:off x="5555671" y="3866192"/>
+            <a:ext cx="2182093" cy="461665"/>
+          </a:xfrm>
+          <a:prstGeom prst="rect">
+            <a:avLst/>
+          </a:prstGeom>
+          <a:noFill/>
+        </p:spPr>
+        <p:txBody>
+          <a:bodyPr wrap="square" rtlCol="0">
+            <a:spAutoFit/>
+          </a:bodyPr>
+          <a:lstStyle/>
+          <a:p>
+            <a:r>
+              <a:rPr kumimoji="1" lang="ja-JP" altLang="en-US" sz="2400" dirty="0"/>
+              <a:t>山下 豊隆</a:t>
+            </a:r>
+          </a:p>
+        </p:txBody>
+      </p:sp>
+      <p:sp>
+        <p:nvSpPr>
+          <p:cNvPr id="19" name="テキスト ボックス 18">
+            <a:extLst>
+              <a:ext uri="{FF2B5EF4-FFF2-40B4-BE49-F238E27FC236}">
+                <a16:creationId xmlns:a16="http://schemas.microsoft.com/office/drawing/2014/main" id="{3E1DDD58-FEEE-5F73-C2F6-29A5C212CA6A}"/>
+              </a:ext>
+            </a:extLst>
+          </p:cNvPr>
+          <p:cNvSpPr txBox="1"/>
+          <p:nvPr/>
+        </p:nvSpPr>
+        <p:spPr>
+          <a:xfrm>
+            <a:off x="5555671" y="4506551"/>
+            <a:ext cx="1877291" cy="338554"/>
+          </a:xfrm>
+          <a:prstGeom prst="rect">
+            <a:avLst/>
+          </a:prstGeom>
+          <a:noFill/>
+        </p:spPr>
+        <p:txBody>
+          <a:bodyPr wrap="square" rtlCol="0">
+            <a:spAutoFit/>
+          </a:bodyPr>
+          <a:lstStyle/>
+          <a:p>
+            <a:r>
+              <a:rPr lang="ja-JP" altLang="en-US" sz="1600" dirty="0"/>
+              <a:t>専攻：水産学</a:t>
+            </a:r>
+            <a:endParaRPr kumimoji="1" lang="ja-JP" altLang="en-US" sz="1600" dirty="0"/>
+          </a:p>
+        </p:txBody>
+      </p:sp>
+      <p:cxnSp>
+        <p:nvCxnSpPr>
+          <p:cNvPr id="20" name="直線コネクタ 19">
+            <a:extLst>
+              <a:ext uri="{FF2B5EF4-FFF2-40B4-BE49-F238E27FC236}">
+                <a16:creationId xmlns:a16="http://schemas.microsoft.com/office/drawing/2014/main" id="{1E94066C-F59F-A6E7-8C64-3A7477DCC49C}"/>
+              </a:ext>
+            </a:extLst>
+          </p:cNvPr>
+          <p:cNvCxnSpPr>
+            <a:cxnSpLocks/>
+          </p:cNvCxnSpPr>
+          <p:nvPr/>
+        </p:nvCxnSpPr>
+        <p:spPr>
+          <a:xfrm>
+            <a:off x="5555671" y="5209311"/>
+            <a:ext cx="2576948" cy="0"/>
+          </a:xfrm>
+          <a:prstGeom prst="line">
+            <a:avLst/>
+          </a:prstGeom>
+          <a:ln>
+            <a:solidFill>
+              <a:schemeClr val="bg1">
+                <a:lumMod val="65000"/>
+              </a:schemeClr>
+            </a:solidFill>
+          </a:ln>
+        </p:spPr>
+        <p:style>
+          <a:lnRef idx="2">
+            <a:schemeClr val="accent1"/>
+          </a:lnRef>
+          <a:fillRef idx="0">
+            <a:schemeClr val="accent1"/>
+          </a:fillRef>
+          <a:effectRef idx="1">
+            <a:schemeClr val="accent1"/>
+          </a:effectRef>
+          <a:fontRef idx="minor">
+            <a:schemeClr val="tx1"/>
+          </a:fontRef>
+        </p:style>
+      </p:cxnSp>
+      <p:sp>
+        <p:nvSpPr>
+          <p:cNvPr id="21" name="テキスト ボックス 20">
+            <a:extLst>
+              <a:ext uri="{FF2B5EF4-FFF2-40B4-BE49-F238E27FC236}">
+                <a16:creationId xmlns:a16="http://schemas.microsoft.com/office/drawing/2014/main" id="{8DB6E341-1CDD-4BF6-02C0-C56600EE6D03}"/>
+              </a:ext>
+            </a:extLst>
+          </p:cNvPr>
+          <p:cNvSpPr txBox="1"/>
+          <p:nvPr/>
+        </p:nvSpPr>
+        <p:spPr>
+          <a:xfrm>
+            <a:off x="5486400" y="5324227"/>
+            <a:ext cx="2646219" cy="307777"/>
+          </a:xfrm>
+          <a:prstGeom prst="rect">
+            <a:avLst/>
+          </a:prstGeom>
+          <a:noFill/>
+        </p:spPr>
+        <p:txBody>
+          <a:bodyPr wrap="square" rtlCol="0">
+            <a:spAutoFit/>
+          </a:bodyPr>
+          <a:lstStyle/>
+          <a:p>
+            <a:r>
+              <a:rPr lang="ja-JP" altLang="en-US" sz="1400" dirty="0"/>
+              <a:t>ただの陽キャ</a:t>
+            </a:r>
+            <a:endParaRPr kumimoji="1" lang="ja-JP" altLang="en-US" sz="1400" dirty="0"/>
+          </a:p>
+        </p:txBody>
+      </p:sp>
       <p:pic>
         <p:nvPicPr>
-          <p:cNvPr id="6" name="図 5" descr="アイコン&#10;&#10;自動的に生成された説明">
-            <a:extLst>
-              <a:ext uri="{FF2B5EF4-FFF2-40B4-BE49-F238E27FC236}">
-                <a16:creationId xmlns:a16="http://schemas.microsoft.com/office/drawing/2014/main" id="{5319C37B-82B9-5EC9-ADD4-AE4E1F6CDCE9}"/>
+          <p:cNvPr id="22" name="図 21">
+            <a:extLst>
+              <a:ext uri="{FF2B5EF4-FFF2-40B4-BE49-F238E27FC236}">
+                <a16:creationId xmlns:a16="http://schemas.microsoft.com/office/drawing/2014/main" id="{2800679F-3845-42B5-2341-AAAA0E90D820}"/>
               </a:ext>
             </a:extLst>
           </p:cNvPr>
@@ -5900,21 +6077,15 @@
           <p:nvPr/>
         </p:nvPicPr>
         <p:blipFill>
-          <a:blip r:embed="rId3">
-            <a:extLst>
-              <a:ext uri="{28A0092B-C50C-407E-A947-70E740481C1C}">
-                <a14:useLocalDpi xmlns:a14="http://schemas.microsoft.com/office/drawing/2010/main" val="0"/>
-              </a:ext>
-            </a:extLst>
-          </a:blip>
+          <a:blip r:embed="rId3"/>
           <a:stretch>
             <a:fillRect/>
           </a:stretch>
         </p:blipFill>
         <p:spPr>
           <a:xfrm>
-            <a:off x="7263811" y="1778896"/>
-            <a:ext cx="3337312" cy="3335767"/>
+            <a:off x="2593101" y="3619503"/>
+            <a:ext cx="1574814" cy="2112650"/>
           </a:xfrm>
           <a:prstGeom prst="rect">
             <a:avLst/>
@@ -5924,7 +6095,7 @@
     </p:spTree>
     <p:extLst>
       <p:ext uri="{BB962C8B-B14F-4D97-AF65-F5344CB8AC3E}">
-        <p14:creationId xmlns:p14="http://schemas.microsoft.com/office/powerpoint/2010/main" val="135253499"/>
+        <p14:creationId xmlns:p14="http://schemas.microsoft.com/office/powerpoint/2010/main" val="1714844770"/>
       </p:ext>
     </p:extLst>
   </p:cSld>
@@ -5951,624 +6122,307 @@
           <a:chExt cx="0" cy="0"/>
         </a:xfrm>
       </p:grpSpPr>
-      <p:cxnSp>
-        <p:nvCxnSpPr>
-          <p:cNvPr id="3" name="直線コネクタ 2">
-            <a:extLst>
-              <a:ext uri="{FF2B5EF4-FFF2-40B4-BE49-F238E27FC236}">
-                <a16:creationId xmlns:a16="http://schemas.microsoft.com/office/drawing/2014/main" id="{58661556-C548-146F-0B42-600057A1F6EB}"/>
-              </a:ext>
-            </a:extLst>
-          </p:cNvPr>
-          <p:cNvCxnSpPr>
-            <a:cxnSpLocks/>
-          </p:cNvCxnSpPr>
+      <p:sp>
+        <p:nvSpPr>
+          <p:cNvPr id="2" name="楕円 1">
+            <a:extLst>
+              <a:ext uri="{FF2B5EF4-FFF2-40B4-BE49-F238E27FC236}">
+                <a16:creationId xmlns:a16="http://schemas.microsoft.com/office/drawing/2014/main" id="{9CDD197C-672F-2B1C-858B-8F96414F7FC7}"/>
+              </a:ext>
+            </a:extLst>
+          </p:cNvPr>
+          <p:cNvSpPr/>
           <p:nvPr/>
-        </p:nvCxnSpPr>
-        <p:spPr>
-          <a:xfrm>
-            <a:off x="2147454" y="588819"/>
-            <a:ext cx="2466109" cy="0"/>
-          </a:xfrm>
-          <a:prstGeom prst="line">
+        </p:nvSpPr>
+        <p:spPr>
+          <a:xfrm>
+            <a:off x="4565792" y="1866899"/>
+            <a:ext cx="2313709" cy="2313709"/>
+          </a:xfrm>
+          <a:prstGeom prst="ellipse">
             <a:avLst/>
           </a:prstGeom>
+          <a:solidFill>
+            <a:schemeClr val="tx2">
+              <a:lumMod val="90000"/>
+              <a:lumOff val="10000"/>
+            </a:schemeClr>
+          </a:solidFill>
           <a:ln>
-            <a:solidFill>
-              <a:schemeClr val="tx1"/>
-            </a:solidFill>
+            <a:noFill/>
           </a:ln>
         </p:spPr>
         <p:style>
           <a:lnRef idx="2">
-            <a:schemeClr val="accent1"/>
+            <a:schemeClr val="accent1">
+              <a:shade val="15000"/>
+            </a:schemeClr>
           </a:lnRef>
-          <a:fillRef idx="0">
+          <a:fillRef idx="1">
             <a:schemeClr val="accent1"/>
           </a:fillRef>
-          <a:effectRef idx="1">
+          <a:effectRef idx="0">
             <a:schemeClr val="accent1"/>
           </a:effectRef>
           <a:fontRef idx="minor">
-            <a:schemeClr val="tx1"/>
+            <a:schemeClr val="lt1"/>
           </a:fontRef>
         </p:style>
-      </p:cxnSp>
-      <p:cxnSp>
-        <p:nvCxnSpPr>
-          <p:cNvPr id="5" name="直線コネクタ 4">
-            <a:extLst>
-              <a:ext uri="{FF2B5EF4-FFF2-40B4-BE49-F238E27FC236}">
-                <a16:creationId xmlns:a16="http://schemas.microsoft.com/office/drawing/2014/main" id="{1BD0A406-34A7-2746-13C8-925A1457EA69}"/>
-              </a:ext>
-            </a:extLst>
-          </p:cNvPr>
-          <p:cNvCxnSpPr>
-            <a:cxnSpLocks/>
-          </p:cNvCxnSpPr>
+        <p:txBody>
+          <a:bodyPr rtlCol="0" anchor="ctr"/>
+          <a:lstStyle/>
+          <a:p>
+            <a:pPr algn="ctr"/>
+            <a:endParaRPr kumimoji="1" lang="ja-JP" altLang="en-US"/>
+          </a:p>
+        </p:txBody>
+      </p:sp>
+      <p:sp>
+        <p:nvSpPr>
+          <p:cNvPr id="9" name="フリーフォーム: 図形 8">
+            <a:extLst>
+              <a:ext uri="{FF2B5EF4-FFF2-40B4-BE49-F238E27FC236}">
+                <a16:creationId xmlns:a16="http://schemas.microsoft.com/office/drawing/2014/main" id="{3542929E-F9F2-040D-4835-0994506B5E5D}"/>
+              </a:ext>
+            </a:extLst>
+          </p:cNvPr>
+          <p:cNvSpPr/>
           <p:nvPr/>
-        </p:nvCxnSpPr>
-        <p:spPr>
-          <a:xfrm>
-            <a:off x="5638799" y="568874"/>
-            <a:ext cx="2826327" cy="0"/>
-          </a:xfrm>
-          <a:prstGeom prst="line">
+        </p:nvSpPr>
+        <p:spPr>
+          <a:xfrm rot="18754808">
+            <a:off x="9653152" y="999014"/>
+            <a:ext cx="1267692" cy="1267693"/>
+          </a:xfrm>
+          <a:custGeom>
             <a:avLst/>
-          </a:prstGeom>
+            <a:gdLst>
+              <a:gd name="connsiteX0" fmla="*/ 1267692 w 1267692"/>
+              <a:gd name="connsiteY0" fmla="*/ 0 h 1267693"/>
+              <a:gd name="connsiteX1" fmla="*/ 1267692 w 1267692"/>
+              <a:gd name="connsiteY1" fmla="*/ 346365 h 1267693"/>
+              <a:gd name="connsiteX2" fmla="*/ 1267691 w 1267692"/>
+              <a:gd name="connsiteY2" fmla="*/ 346365 h 1267693"/>
+              <a:gd name="connsiteX3" fmla="*/ 1267691 w 1267692"/>
+              <a:gd name="connsiteY3" fmla="*/ 1267693 h 1267693"/>
+              <a:gd name="connsiteX4" fmla="*/ 921327 w 1267692"/>
+              <a:gd name="connsiteY4" fmla="*/ 1267693 h 1267693"/>
+              <a:gd name="connsiteX5" fmla="*/ 921327 w 1267692"/>
+              <a:gd name="connsiteY5" fmla="*/ 346364 h 1267693"/>
+              <a:gd name="connsiteX6" fmla="*/ 0 w 1267692"/>
+              <a:gd name="connsiteY6" fmla="*/ 346364 h 1267693"/>
+              <a:gd name="connsiteX7" fmla="*/ 0 w 1267692"/>
+              <a:gd name="connsiteY7" fmla="*/ 0 h 1267693"/>
+            </a:gdLst>
+            <a:ahLst/>
+            <a:cxnLst>
+              <a:cxn ang="0">
+                <a:pos x="connsiteX0" y="connsiteY0"/>
+              </a:cxn>
+              <a:cxn ang="0">
+                <a:pos x="connsiteX1" y="connsiteY1"/>
+              </a:cxn>
+              <a:cxn ang="0">
+                <a:pos x="connsiteX2" y="connsiteY2"/>
+              </a:cxn>
+              <a:cxn ang="0">
+                <a:pos x="connsiteX3" y="connsiteY3"/>
+              </a:cxn>
+              <a:cxn ang="0">
+                <a:pos x="connsiteX4" y="connsiteY4"/>
+              </a:cxn>
+              <a:cxn ang="0">
+                <a:pos x="connsiteX5" y="connsiteY5"/>
+              </a:cxn>
+              <a:cxn ang="0">
+                <a:pos x="connsiteX6" y="connsiteY6"/>
+              </a:cxn>
+              <a:cxn ang="0">
+                <a:pos x="connsiteX7" y="connsiteY7"/>
+              </a:cxn>
+            </a:cxnLst>
+            <a:rect l="l" t="t" r="r" b="b"/>
+            <a:pathLst>
+              <a:path w="1267692" h="1267693">
+                <a:moveTo>
+                  <a:pt x="1267692" y="0"/>
+                </a:moveTo>
+                <a:lnTo>
+                  <a:pt x="1267692" y="346365"/>
+                </a:lnTo>
+                <a:lnTo>
+                  <a:pt x="1267691" y="346365"/>
+                </a:lnTo>
+                <a:lnTo>
+                  <a:pt x="1267691" y="1267693"/>
+                </a:lnTo>
+                <a:lnTo>
+                  <a:pt x="921327" y="1267693"/>
+                </a:lnTo>
+                <a:lnTo>
+                  <a:pt x="921327" y="346364"/>
+                </a:lnTo>
+                <a:lnTo>
+                  <a:pt x="0" y="346364"/>
+                </a:lnTo>
+                <a:lnTo>
+                  <a:pt x="0" y="0"/>
+                </a:lnTo>
+                <a:close/>
+              </a:path>
+            </a:pathLst>
+          </a:custGeom>
+          <a:solidFill>
+            <a:schemeClr val="bg1"/>
+          </a:solidFill>
           <a:ln>
-            <a:solidFill>
-              <a:schemeClr val="tx1"/>
-            </a:solidFill>
+            <a:noFill/>
           </a:ln>
         </p:spPr>
         <p:style>
           <a:lnRef idx="2">
-            <a:schemeClr val="accent1"/>
+            <a:schemeClr val="accent1">
+              <a:shade val="15000"/>
+            </a:schemeClr>
           </a:lnRef>
-          <a:fillRef idx="0">
+          <a:fillRef idx="1">
             <a:schemeClr val="accent1"/>
           </a:fillRef>
-          <a:effectRef idx="1">
+          <a:effectRef idx="0">
             <a:schemeClr val="accent1"/>
           </a:effectRef>
           <a:fontRef idx="minor">
-            <a:schemeClr val="tx1"/>
+            <a:schemeClr val="lt1"/>
           </a:fontRef>
         </p:style>
-      </p:cxnSp>
-      <p:sp>
-        <p:nvSpPr>
-          <p:cNvPr id="6" name="テキスト ボックス 5">
-            <a:extLst>
-              <a:ext uri="{FF2B5EF4-FFF2-40B4-BE49-F238E27FC236}">
-                <a16:creationId xmlns:a16="http://schemas.microsoft.com/office/drawing/2014/main" id="{D7D27A24-D16B-AA32-BADF-FD2D546A577E}"/>
-              </a:ext>
-            </a:extLst>
-          </p:cNvPr>
-          <p:cNvSpPr txBox="1"/>
+        <p:txBody>
+          <a:bodyPr wrap="square" rtlCol="0" anchor="ctr">
+            <a:noAutofit/>
+          </a:bodyPr>
+          <a:lstStyle/>
+          <a:p>
+            <a:pPr algn="ctr"/>
+            <a:endParaRPr kumimoji="1" lang="ja-JP" altLang="en-US"/>
+          </a:p>
+        </p:txBody>
+      </p:sp>
+      <p:sp>
+        <p:nvSpPr>
+          <p:cNvPr id="13" name="フリーフォーム: 図形 12">
+            <a:extLst>
+              <a:ext uri="{FF2B5EF4-FFF2-40B4-BE49-F238E27FC236}">
+                <a16:creationId xmlns:a16="http://schemas.microsoft.com/office/drawing/2014/main" id="{3030A782-8250-AB06-6107-CB188FD877E3}"/>
+              </a:ext>
+            </a:extLst>
+          </p:cNvPr>
+          <p:cNvSpPr/>
           <p:nvPr/>
         </p:nvSpPr>
         <p:spPr>
-          <a:xfrm>
-            <a:off x="4745182" y="388764"/>
-            <a:ext cx="893617" cy="400110"/>
-          </a:xfrm>
-          <a:prstGeom prst="rect">
+          <a:xfrm rot="2725907">
+            <a:off x="5171350" y="2614144"/>
+            <a:ext cx="1102593" cy="1102593"/>
+          </a:xfrm>
+          <a:custGeom>
             <a:avLst/>
-          </a:prstGeom>
-          <a:noFill/>
-        </p:spPr>
-        <p:txBody>
-          <a:bodyPr wrap="square" rtlCol="0">
-            <a:spAutoFit/>
-          </a:bodyPr>
-          <a:lstStyle/>
-          <a:p>
-            <a:r>
-              <a:rPr kumimoji="1" lang="en-US" altLang="ja-JP" sz="2000" dirty="0"/>
-              <a:t>4</a:t>
-            </a:r>
-            <a:r>
-              <a:rPr kumimoji="1" lang="ja-JP" altLang="en-US" sz="2000" dirty="0"/>
-              <a:t>年生</a:t>
-            </a:r>
-          </a:p>
-        </p:txBody>
-      </p:sp>
-      <p:pic>
-        <p:nvPicPr>
-          <p:cNvPr id="8" name="図 7">
-            <a:extLst>
-              <a:ext uri="{FF2B5EF4-FFF2-40B4-BE49-F238E27FC236}">
-                <a16:creationId xmlns:a16="http://schemas.microsoft.com/office/drawing/2014/main" id="{AFA64369-DC1A-2EDD-2CBB-C6014B7A6138}"/>
-              </a:ext>
-            </a:extLst>
-          </p:cNvPr>
-          <p:cNvPicPr>
-            <a:picLocks noChangeAspect="1"/>
-          </p:cNvPicPr>
-          <p:nvPr/>
-        </p:nvPicPr>
-        <p:blipFill>
-          <a:blip r:embed="rId2"/>
-          <a:stretch>
-            <a:fillRect/>
-          </a:stretch>
-        </p:blipFill>
-        <p:spPr>
-          <a:xfrm>
-            <a:off x="2608119" y="1054873"/>
-            <a:ext cx="1530926" cy="2018908"/>
-          </a:xfrm>
-          <a:prstGeom prst="rect">
-            <a:avLst/>
-          </a:prstGeom>
-        </p:spPr>
-      </p:pic>
-      <p:sp>
-        <p:nvSpPr>
-          <p:cNvPr id="9" name="テキスト ボックス 8">
-            <a:extLst>
-              <a:ext uri="{FF2B5EF4-FFF2-40B4-BE49-F238E27FC236}">
-                <a16:creationId xmlns:a16="http://schemas.microsoft.com/office/drawing/2014/main" id="{39A54BAB-6358-AC70-01B2-D08AED747B86}"/>
-              </a:ext>
-            </a:extLst>
-          </p:cNvPr>
-          <p:cNvSpPr txBox="1"/>
-          <p:nvPr/>
-        </p:nvSpPr>
-        <p:spPr>
-          <a:xfrm>
-            <a:off x="5555671" y="1136845"/>
-            <a:ext cx="2182093" cy="461665"/>
-          </a:xfrm>
-          <a:prstGeom prst="rect">
-            <a:avLst/>
-          </a:prstGeom>
-          <a:noFill/>
-        </p:spPr>
-        <p:txBody>
-          <a:bodyPr wrap="square" rtlCol="0">
-            <a:spAutoFit/>
-          </a:bodyPr>
-          <a:lstStyle/>
-          <a:p>
-            <a:r>
-              <a:rPr kumimoji="1" lang="ja-JP" altLang="en-US" sz="2400" dirty="0"/>
-              <a:t>佐々木 康太郎</a:t>
-            </a:r>
-          </a:p>
-        </p:txBody>
-      </p:sp>
-      <p:sp>
-        <p:nvSpPr>
-          <p:cNvPr id="10" name="テキスト ボックス 9">
-            <a:extLst>
-              <a:ext uri="{FF2B5EF4-FFF2-40B4-BE49-F238E27FC236}">
-                <a16:creationId xmlns:a16="http://schemas.microsoft.com/office/drawing/2014/main" id="{A5364236-C148-DD75-66A0-AFBEDCD3D548}"/>
-              </a:ext>
-            </a:extLst>
-          </p:cNvPr>
-          <p:cNvSpPr txBox="1"/>
-          <p:nvPr/>
-        </p:nvSpPr>
-        <p:spPr>
-          <a:xfrm>
-            <a:off x="5555671" y="1777204"/>
-            <a:ext cx="1877291" cy="338554"/>
-          </a:xfrm>
-          <a:prstGeom prst="rect">
-            <a:avLst/>
-          </a:prstGeom>
-          <a:noFill/>
-        </p:spPr>
-        <p:txBody>
-          <a:bodyPr wrap="square" rtlCol="0">
-            <a:spAutoFit/>
-          </a:bodyPr>
-          <a:lstStyle/>
-          <a:p>
-            <a:r>
-              <a:rPr lang="ja-JP" altLang="en-US" sz="1600" dirty="0"/>
-              <a:t>専攻：水産学</a:t>
-            </a:r>
-            <a:endParaRPr kumimoji="1" lang="ja-JP" altLang="en-US" sz="1600" dirty="0"/>
-          </a:p>
-        </p:txBody>
-      </p:sp>
-      <p:cxnSp>
-        <p:nvCxnSpPr>
-          <p:cNvPr id="11" name="直線コネクタ 10">
-            <a:extLst>
-              <a:ext uri="{FF2B5EF4-FFF2-40B4-BE49-F238E27FC236}">
-                <a16:creationId xmlns:a16="http://schemas.microsoft.com/office/drawing/2014/main" id="{1DD775F9-E29F-BDB7-5D2F-C305A697C755}"/>
-              </a:ext>
-            </a:extLst>
-          </p:cNvPr>
-          <p:cNvCxnSpPr>
-            <a:cxnSpLocks/>
-          </p:cNvCxnSpPr>
-          <p:nvPr/>
-        </p:nvCxnSpPr>
-        <p:spPr>
-          <a:xfrm>
-            <a:off x="5555671" y="2479964"/>
-            <a:ext cx="2576948" cy="0"/>
-          </a:xfrm>
-          <a:prstGeom prst="line">
-            <a:avLst/>
-          </a:prstGeom>
+            <a:gdLst>
+              <a:gd name="connsiteX0" fmla="*/ 0 w 1461655"/>
+              <a:gd name="connsiteY0" fmla="*/ 0 h 1461655"/>
+              <a:gd name="connsiteX1" fmla="*/ 1461655 w 1461655"/>
+              <a:gd name="connsiteY1" fmla="*/ 0 h 1461655"/>
+              <a:gd name="connsiteX2" fmla="*/ 1461655 w 1461655"/>
+              <a:gd name="connsiteY2" fmla="*/ 367146 h 1461655"/>
+              <a:gd name="connsiteX3" fmla="*/ 367146 w 1461655"/>
+              <a:gd name="connsiteY3" fmla="*/ 367146 h 1461655"/>
+              <a:gd name="connsiteX4" fmla="*/ 367146 w 1461655"/>
+              <a:gd name="connsiteY4" fmla="*/ 1461655 h 1461655"/>
+              <a:gd name="connsiteX5" fmla="*/ 0 w 1461655"/>
+              <a:gd name="connsiteY5" fmla="*/ 1461655 h 1461655"/>
+            </a:gdLst>
+            <a:ahLst/>
+            <a:cxnLst>
+              <a:cxn ang="0">
+                <a:pos x="connsiteX0" y="connsiteY0"/>
+              </a:cxn>
+              <a:cxn ang="0">
+                <a:pos x="connsiteX1" y="connsiteY1"/>
+              </a:cxn>
+              <a:cxn ang="0">
+                <a:pos x="connsiteX2" y="connsiteY2"/>
+              </a:cxn>
+              <a:cxn ang="0">
+                <a:pos x="connsiteX3" y="connsiteY3"/>
+              </a:cxn>
+              <a:cxn ang="0">
+                <a:pos x="connsiteX4" y="connsiteY4"/>
+              </a:cxn>
+              <a:cxn ang="0">
+                <a:pos x="connsiteX5" y="connsiteY5"/>
+              </a:cxn>
+            </a:cxnLst>
+            <a:rect l="l" t="t" r="r" b="b"/>
+            <a:pathLst>
+              <a:path w="1461655" h="1461655">
+                <a:moveTo>
+                  <a:pt x="0" y="0"/>
+                </a:moveTo>
+                <a:lnTo>
+                  <a:pt x="1461655" y="0"/>
+                </a:lnTo>
+                <a:lnTo>
+                  <a:pt x="1461655" y="367146"/>
+                </a:lnTo>
+                <a:lnTo>
+                  <a:pt x="367146" y="367146"/>
+                </a:lnTo>
+                <a:lnTo>
+                  <a:pt x="367146" y="1461655"/>
+                </a:lnTo>
+                <a:lnTo>
+                  <a:pt x="0" y="1461655"/>
+                </a:lnTo>
+                <a:close/>
+              </a:path>
+            </a:pathLst>
+          </a:custGeom>
+          <a:solidFill>
+            <a:schemeClr val="bg1"/>
+          </a:solidFill>
           <a:ln>
-            <a:solidFill>
-              <a:schemeClr val="bg1">
-                <a:lumMod val="65000"/>
-              </a:schemeClr>
-            </a:solidFill>
+            <a:noFill/>
           </a:ln>
         </p:spPr>
         <p:style>
           <a:lnRef idx="2">
-            <a:schemeClr val="accent1"/>
+            <a:schemeClr val="accent1">
+              <a:shade val="15000"/>
+            </a:schemeClr>
           </a:lnRef>
-          <a:fillRef idx="0">
+          <a:fillRef idx="1">
             <a:schemeClr val="accent1"/>
           </a:fillRef>
-          <a:effectRef idx="1">
+          <a:effectRef idx="0">
             <a:schemeClr val="accent1"/>
           </a:effectRef>
           <a:fontRef idx="minor">
-            <a:schemeClr val="tx1"/>
+            <a:schemeClr val="lt1"/>
           </a:fontRef>
         </p:style>
-      </p:cxnSp>
-      <p:sp>
-        <p:nvSpPr>
-          <p:cNvPr id="13" name="テキスト ボックス 12">
-            <a:extLst>
-              <a:ext uri="{FF2B5EF4-FFF2-40B4-BE49-F238E27FC236}">
-                <a16:creationId xmlns:a16="http://schemas.microsoft.com/office/drawing/2014/main" id="{AC93EAD6-CAED-C04A-AC46-293AE366556F}"/>
-              </a:ext>
-            </a:extLst>
-          </p:cNvPr>
-          <p:cNvSpPr txBox="1"/>
-          <p:nvPr/>
-        </p:nvSpPr>
-        <p:spPr>
-          <a:xfrm>
-            <a:off x="5486400" y="2594880"/>
-            <a:ext cx="2646219" cy="307777"/>
-          </a:xfrm>
-          <a:prstGeom prst="rect">
-            <a:avLst/>
-          </a:prstGeom>
-          <a:noFill/>
-        </p:spPr>
-        <p:txBody>
-          <a:bodyPr wrap="square" rtlCol="0">
-            <a:spAutoFit/>
+        <p:txBody>
+          <a:bodyPr wrap="square" rtlCol="0" anchor="ctr">
+            <a:noAutofit/>
           </a:bodyPr>
           <a:lstStyle/>
           <a:p>
-            <a:r>
-              <a:rPr lang="ja-JP" altLang="en-US" sz="1400" dirty="0"/>
-              <a:t>おもしろさに全ベット</a:t>
-            </a:r>
-            <a:endParaRPr kumimoji="1" lang="ja-JP" altLang="en-US" sz="1400" dirty="0"/>
-          </a:p>
-        </p:txBody>
-      </p:sp>
-      <p:cxnSp>
-        <p:nvCxnSpPr>
-          <p:cNvPr id="14" name="直線コネクタ 13">
-            <a:extLst>
-              <a:ext uri="{FF2B5EF4-FFF2-40B4-BE49-F238E27FC236}">
-                <a16:creationId xmlns:a16="http://schemas.microsoft.com/office/drawing/2014/main" id="{8CB6691C-B724-76D4-BD9C-F8909EC2923F}"/>
-              </a:ext>
-            </a:extLst>
-          </p:cNvPr>
-          <p:cNvCxnSpPr>
-            <a:cxnSpLocks/>
-          </p:cNvCxnSpPr>
-          <p:nvPr/>
-        </p:nvCxnSpPr>
-        <p:spPr>
-          <a:xfrm>
-            <a:off x="2147454" y="3318166"/>
-            <a:ext cx="2466109" cy="0"/>
-          </a:xfrm>
-          <a:prstGeom prst="line">
-            <a:avLst/>
-          </a:prstGeom>
-          <a:ln>
-            <a:solidFill>
-              <a:schemeClr val="tx1"/>
-            </a:solidFill>
-          </a:ln>
-        </p:spPr>
-        <p:style>
-          <a:lnRef idx="2">
-            <a:schemeClr val="accent1"/>
-          </a:lnRef>
-          <a:fillRef idx="0">
-            <a:schemeClr val="accent1"/>
-          </a:fillRef>
-          <a:effectRef idx="1">
-            <a:schemeClr val="accent1"/>
-          </a:effectRef>
-          <a:fontRef idx="minor">
-            <a:schemeClr val="tx1"/>
-          </a:fontRef>
-        </p:style>
-      </p:cxnSp>
-      <p:cxnSp>
-        <p:nvCxnSpPr>
-          <p:cNvPr id="15" name="直線コネクタ 14">
-            <a:extLst>
-              <a:ext uri="{FF2B5EF4-FFF2-40B4-BE49-F238E27FC236}">
-                <a16:creationId xmlns:a16="http://schemas.microsoft.com/office/drawing/2014/main" id="{10559E4B-3E2C-2D33-90C7-4C8D7CB2D4C8}"/>
-              </a:ext>
-            </a:extLst>
-          </p:cNvPr>
-          <p:cNvCxnSpPr>
-            <a:cxnSpLocks/>
-          </p:cNvCxnSpPr>
-          <p:nvPr/>
-        </p:nvCxnSpPr>
-        <p:spPr>
-          <a:xfrm>
-            <a:off x="5638799" y="3298221"/>
-            <a:ext cx="2826327" cy="0"/>
-          </a:xfrm>
-          <a:prstGeom prst="line">
-            <a:avLst/>
-          </a:prstGeom>
-          <a:ln>
-            <a:solidFill>
-              <a:schemeClr val="tx1"/>
-            </a:solidFill>
-          </a:ln>
-        </p:spPr>
-        <p:style>
-          <a:lnRef idx="2">
-            <a:schemeClr val="accent1"/>
-          </a:lnRef>
-          <a:fillRef idx="0">
-            <a:schemeClr val="accent1"/>
-          </a:fillRef>
-          <a:effectRef idx="1">
-            <a:schemeClr val="accent1"/>
-          </a:effectRef>
-          <a:fontRef idx="minor">
-            <a:schemeClr val="tx1"/>
-          </a:fontRef>
-        </p:style>
-      </p:cxnSp>
-      <p:sp>
-        <p:nvSpPr>
-          <p:cNvPr id="16" name="テキスト ボックス 15">
-            <a:extLst>
-              <a:ext uri="{FF2B5EF4-FFF2-40B4-BE49-F238E27FC236}">
-                <a16:creationId xmlns:a16="http://schemas.microsoft.com/office/drawing/2014/main" id="{27007B14-955E-9C4B-B754-399FE63AC27E}"/>
-              </a:ext>
-            </a:extLst>
-          </p:cNvPr>
-          <p:cNvSpPr txBox="1"/>
-          <p:nvPr/>
-        </p:nvSpPr>
-        <p:spPr>
-          <a:xfrm>
-            <a:off x="4745182" y="3118111"/>
-            <a:ext cx="893617" cy="400110"/>
-          </a:xfrm>
-          <a:prstGeom prst="rect">
-            <a:avLst/>
-          </a:prstGeom>
-          <a:noFill/>
-        </p:spPr>
-        <p:txBody>
-          <a:bodyPr wrap="square" rtlCol="0">
-            <a:spAutoFit/>
-          </a:bodyPr>
-          <a:lstStyle/>
-          <a:p>
-            <a:r>
-              <a:rPr kumimoji="1" lang="en-US" altLang="ja-JP" sz="2000" dirty="0"/>
-              <a:t>3</a:t>
-            </a:r>
-            <a:r>
-              <a:rPr kumimoji="1" lang="ja-JP" altLang="en-US" sz="2000" dirty="0"/>
-              <a:t>年生</a:t>
-            </a:r>
-          </a:p>
-        </p:txBody>
-      </p:sp>
-      <p:sp>
-        <p:nvSpPr>
-          <p:cNvPr id="18" name="テキスト ボックス 17">
-            <a:extLst>
-              <a:ext uri="{FF2B5EF4-FFF2-40B4-BE49-F238E27FC236}">
-                <a16:creationId xmlns:a16="http://schemas.microsoft.com/office/drawing/2014/main" id="{67F0AD96-3A9A-F1AA-5AD1-AF5729E1FD5C}"/>
-              </a:ext>
-            </a:extLst>
-          </p:cNvPr>
-          <p:cNvSpPr txBox="1"/>
-          <p:nvPr/>
-        </p:nvSpPr>
-        <p:spPr>
-          <a:xfrm>
-            <a:off x="5555671" y="3866192"/>
-            <a:ext cx="2182093" cy="461665"/>
-          </a:xfrm>
-          <a:prstGeom prst="rect">
-            <a:avLst/>
-          </a:prstGeom>
-          <a:noFill/>
-        </p:spPr>
-        <p:txBody>
-          <a:bodyPr wrap="square" rtlCol="0">
-            <a:spAutoFit/>
-          </a:bodyPr>
-          <a:lstStyle/>
-          <a:p>
-            <a:r>
-              <a:rPr kumimoji="1" lang="ja-JP" altLang="en-US" sz="2400" dirty="0"/>
-              <a:t>山下 豊隆</a:t>
-            </a:r>
-          </a:p>
-        </p:txBody>
-      </p:sp>
-      <p:sp>
-        <p:nvSpPr>
-          <p:cNvPr id="19" name="テキスト ボックス 18">
-            <a:extLst>
-              <a:ext uri="{FF2B5EF4-FFF2-40B4-BE49-F238E27FC236}">
-                <a16:creationId xmlns:a16="http://schemas.microsoft.com/office/drawing/2014/main" id="{3E1DDD58-FEEE-5F73-C2F6-29A5C212CA6A}"/>
-              </a:ext>
-            </a:extLst>
-          </p:cNvPr>
-          <p:cNvSpPr txBox="1"/>
-          <p:nvPr/>
-        </p:nvSpPr>
-        <p:spPr>
-          <a:xfrm>
-            <a:off x="5555671" y="4506551"/>
-            <a:ext cx="1877291" cy="338554"/>
-          </a:xfrm>
-          <a:prstGeom prst="rect">
-            <a:avLst/>
-          </a:prstGeom>
-          <a:noFill/>
-        </p:spPr>
-        <p:txBody>
-          <a:bodyPr wrap="square" rtlCol="0">
-            <a:spAutoFit/>
-          </a:bodyPr>
-          <a:lstStyle/>
-          <a:p>
-            <a:r>
-              <a:rPr lang="ja-JP" altLang="en-US" sz="1600" dirty="0"/>
-              <a:t>専攻：水産学</a:t>
-            </a:r>
-            <a:endParaRPr kumimoji="1" lang="ja-JP" altLang="en-US" sz="1600" dirty="0"/>
-          </a:p>
-        </p:txBody>
-      </p:sp>
-      <p:cxnSp>
-        <p:nvCxnSpPr>
-          <p:cNvPr id="20" name="直線コネクタ 19">
-            <a:extLst>
-              <a:ext uri="{FF2B5EF4-FFF2-40B4-BE49-F238E27FC236}">
-                <a16:creationId xmlns:a16="http://schemas.microsoft.com/office/drawing/2014/main" id="{1E94066C-F59F-A6E7-8C64-3A7477DCC49C}"/>
-              </a:ext>
-            </a:extLst>
-          </p:cNvPr>
-          <p:cNvCxnSpPr>
-            <a:cxnSpLocks/>
-          </p:cNvCxnSpPr>
-          <p:nvPr/>
-        </p:nvCxnSpPr>
-        <p:spPr>
-          <a:xfrm>
-            <a:off x="5555671" y="5209311"/>
-            <a:ext cx="2576948" cy="0"/>
-          </a:xfrm>
-          <a:prstGeom prst="line">
-            <a:avLst/>
-          </a:prstGeom>
-          <a:ln>
-            <a:solidFill>
-              <a:schemeClr val="bg1">
-                <a:lumMod val="65000"/>
-              </a:schemeClr>
-            </a:solidFill>
-          </a:ln>
-        </p:spPr>
-        <p:style>
-          <a:lnRef idx="2">
-            <a:schemeClr val="accent1"/>
-          </a:lnRef>
-          <a:fillRef idx="0">
-            <a:schemeClr val="accent1"/>
-          </a:fillRef>
-          <a:effectRef idx="1">
-            <a:schemeClr val="accent1"/>
-          </a:effectRef>
-          <a:fontRef idx="minor">
-            <a:schemeClr val="tx1"/>
-          </a:fontRef>
-        </p:style>
-      </p:cxnSp>
-      <p:sp>
-        <p:nvSpPr>
-          <p:cNvPr id="21" name="テキスト ボックス 20">
-            <a:extLst>
-              <a:ext uri="{FF2B5EF4-FFF2-40B4-BE49-F238E27FC236}">
-                <a16:creationId xmlns:a16="http://schemas.microsoft.com/office/drawing/2014/main" id="{8DB6E341-1CDD-4BF6-02C0-C56600EE6D03}"/>
-              </a:ext>
-            </a:extLst>
-          </p:cNvPr>
-          <p:cNvSpPr txBox="1"/>
-          <p:nvPr/>
-        </p:nvSpPr>
-        <p:spPr>
-          <a:xfrm>
-            <a:off x="5486400" y="5324227"/>
-            <a:ext cx="2646219" cy="307777"/>
-          </a:xfrm>
-          <a:prstGeom prst="rect">
-            <a:avLst/>
-          </a:prstGeom>
-          <a:noFill/>
-        </p:spPr>
-        <p:txBody>
-          <a:bodyPr wrap="square" rtlCol="0">
-            <a:spAutoFit/>
-          </a:bodyPr>
-          <a:lstStyle/>
-          <a:p>
-            <a:r>
-              <a:rPr lang="ja-JP" altLang="en-US" sz="1400" dirty="0"/>
-              <a:t>ただの陽キャ</a:t>
-            </a:r>
-            <a:endParaRPr kumimoji="1" lang="ja-JP" altLang="en-US" sz="1400" dirty="0"/>
-          </a:p>
-        </p:txBody>
-      </p:sp>
-      <p:pic>
-        <p:nvPicPr>
-          <p:cNvPr id="22" name="図 21">
-            <a:extLst>
-              <a:ext uri="{FF2B5EF4-FFF2-40B4-BE49-F238E27FC236}">
-                <a16:creationId xmlns:a16="http://schemas.microsoft.com/office/drawing/2014/main" id="{2800679F-3845-42B5-2341-AAAA0E90D820}"/>
-              </a:ext>
-            </a:extLst>
-          </p:cNvPr>
-          <p:cNvPicPr>
-            <a:picLocks noChangeAspect="1"/>
-          </p:cNvPicPr>
-          <p:nvPr/>
-        </p:nvPicPr>
-        <p:blipFill>
-          <a:blip r:embed="rId3"/>
-          <a:stretch>
-            <a:fillRect/>
-          </a:stretch>
-        </p:blipFill>
-        <p:spPr>
-          <a:xfrm>
-            <a:off x="2593101" y="3619503"/>
-            <a:ext cx="1574814" cy="2112650"/>
-          </a:xfrm>
-          <a:prstGeom prst="rect">
-            <a:avLst/>
-          </a:prstGeom>
-        </p:spPr>
-      </p:pic>
+            <a:pPr algn="ctr"/>
+            <a:endParaRPr kumimoji="1" lang="ja-JP" altLang="en-US" dirty="0"/>
+          </a:p>
+        </p:txBody>
+      </p:sp>
     </p:spTree>
     <p:extLst>
       <p:ext uri="{BB962C8B-B14F-4D97-AF65-F5344CB8AC3E}">
-        <p14:creationId xmlns:p14="http://schemas.microsoft.com/office/powerpoint/2010/main" val="1714844770"/>
+        <p14:creationId xmlns:p14="http://schemas.microsoft.com/office/powerpoint/2010/main" val="3315462232"/>
       </p:ext>
     </p:extLst>
   </p:cSld>

--- a/judo_homepage_image.pptx
+++ b/judo_homepage_image.pptx
@@ -5,17 +5,16 @@
     <p:sldMasterId id="2147483720" r:id="rId1"/>
   </p:sldMasterIdLst>
   <p:sldIdLst>
-    <p:sldId id="267" r:id="rId2"/>
-    <p:sldId id="258" r:id="rId3"/>
-    <p:sldId id="259" r:id="rId4"/>
-    <p:sldId id="260" r:id="rId5"/>
-    <p:sldId id="261" r:id="rId6"/>
-    <p:sldId id="262" r:id="rId7"/>
-    <p:sldId id="263" r:id="rId8"/>
-    <p:sldId id="264" r:id="rId9"/>
-    <p:sldId id="265" r:id="rId10"/>
-    <p:sldId id="269" r:id="rId11"/>
-    <p:sldId id="270" r:id="rId12"/>
+    <p:sldId id="258" r:id="rId2"/>
+    <p:sldId id="259" r:id="rId3"/>
+    <p:sldId id="260" r:id="rId4"/>
+    <p:sldId id="261" r:id="rId5"/>
+    <p:sldId id="262" r:id="rId6"/>
+    <p:sldId id="263" r:id="rId7"/>
+    <p:sldId id="264" r:id="rId8"/>
+    <p:sldId id="265" r:id="rId9"/>
+    <p:sldId id="269" r:id="rId10"/>
+    <p:sldId id="270" r:id="rId11"/>
   </p:sldIdLst>
   <p:sldSz cx="12192000" cy="6858000"/>
   <p:notesSz cx="6858000" cy="9144000"/>
@@ -269,7 +268,7 @@
           <a:p>
             <a:fld id="{F96F4559-21F4-4D67-969C-E71FA03C574A}" type="datetimeFigureOut">
               <a:rPr kumimoji="1" lang="ja-JP" altLang="en-US" smtClean="0"/>
-              <a:t>2025/2/23</a:t>
+              <a:t>2025/3/23</a:t>
             </a:fld>
             <a:endParaRPr kumimoji="1" lang="ja-JP" altLang="en-US"/>
           </a:p>
@@ -499,7 +498,7 @@
           <a:p>
             <a:fld id="{F96F4559-21F4-4D67-969C-E71FA03C574A}" type="datetimeFigureOut">
               <a:rPr kumimoji="1" lang="ja-JP" altLang="en-US" smtClean="0"/>
-              <a:t>2025/2/23</a:t>
+              <a:t>2025/3/23</a:t>
             </a:fld>
             <a:endParaRPr kumimoji="1" lang="ja-JP" altLang="en-US"/>
           </a:p>
@@ -739,7 +738,7 @@
           <a:p>
             <a:fld id="{F96F4559-21F4-4D67-969C-E71FA03C574A}" type="datetimeFigureOut">
               <a:rPr kumimoji="1" lang="ja-JP" altLang="en-US" smtClean="0"/>
-              <a:t>2025/2/23</a:t>
+              <a:t>2025/3/23</a:t>
             </a:fld>
             <a:endParaRPr kumimoji="1" lang="ja-JP" altLang="en-US"/>
           </a:p>
@@ -969,7 +968,7 @@
           <a:p>
             <a:fld id="{F96F4559-21F4-4D67-969C-E71FA03C574A}" type="datetimeFigureOut">
               <a:rPr kumimoji="1" lang="ja-JP" altLang="en-US" smtClean="0"/>
-              <a:t>2025/2/23</a:t>
+              <a:t>2025/3/23</a:t>
             </a:fld>
             <a:endParaRPr kumimoji="1" lang="ja-JP" altLang="en-US"/>
           </a:p>
@@ -1244,7 +1243,7 @@
           <a:p>
             <a:fld id="{F96F4559-21F4-4D67-969C-E71FA03C574A}" type="datetimeFigureOut">
               <a:rPr kumimoji="1" lang="ja-JP" altLang="en-US" smtClean="0"/>
-              <a:t>2025/2/23</a:t>
+              <a:t>2025/3/23</a:t>
             </a:fld>
             <a:endParaRPr kumimoji="1" lang="ja-JP" altLang="en-US"/>
           </a:p>
@@ -1573,7 +1572,7 @@
           <a:p>
             <a:fld id="{F96F4559-21F4-4D67-969C-E71FA03C574A}" type="datetimeFigureOut">
               <a:rPr kumimoji="1" lang="ja-JP" altLang="en-US" smtClean="0"/>
-              <a:t>2025/2/23</a:t>
+              <a:t>2025/3/23</a:t>
             </a:fld>
             <a:endParaRPr kumimoji="1" lang="ja-JP" altLang="en-US"/>
           </a:p>
@@ -2049,7 +2048,7 @@
           <a:p>
             <a:fld id="{F96F4559-21F4-4D67-969C-E71FA03C574A}" type="datetimeFigureOut">
               <a:rPr kumimoji="1" lang="ja-JP" altLang="en-US" smtClean="0"/>
-              <a:t>2025/2/23</a:t>
+              <a:t>2025/3/23</a:t>
             </a:fld>
             <a:endParaRPr kumimoji="1" lang="ja-JP" altLang="en-US"/>
           </a:p>
@@ -2190,7 +2189,7 @@
           <a:p>
             <a:fld id="{F96F4559-21F4-4D67-969C-E71FA03C574A}" type="datetimeFigureOut">
               <a:rPr kumimoji="1" lang="ja-JP" altLang="en-US" smtClean="0"/>
-              <a:t>2025/2/23</a:t>
+              <a:t>2025/3/23</a:t>
             </a:fld>
             <a:endParaRPr kumimoji="1" lang="ja-JP" altLang="en-US"/>
           </a:p>
@@ -2303,7 +2302,7 @@
           <a:p>
             <a:fld id="{F96F4559-21F4-4D67-969C-E71FA03C574A}" type="datetimeFigureOut">
               <a:rPr kumimoji="1" lang="ja-JP" altLang="en-US" smtClean="0"/>
-              <a:t>2025/2/23</a:t>
+              <a:t>2025/3/23</a:t>
             </a:fld>
             <a:endParaRPr kumimoji="1" lang="ja-JP" altLang="en-US"/>
           </a:p>
@@ -2646,7 +2645,7 @@
           <a:p>
             <a:fld id="{F96F4559-21F4-4D67-969C-E71FA03C574A}" type="datetimeFigureOut">
               <a:rPr kumimoji="1" lang="ja-JP" altLang="en-US" smtClean="0"/>
-              <a:t>2025/2/23</a:t>
+              <a:t>2025/3/23</a:t>
             </a:fld>
             <a:endParaRPr kumimoji="1" lang="ja-JP" altLang="en-US"/>
           </a:p>
@@ -2934,7 +2933,7 @@
           <a:p>
             <a:fld id="{F96F4559-21F4-4D67-969C-E71FA03C574A}" type="datetimeFigureOut">
               <a:rPr kumimoji="1" lang="ja-JP" altLang="en-US" smtClean="0"/>
-              <a:t>2025/2/23</a:t>
+              <a:t>2025/3/23</a:t>
             </a:fld>
             <a:endParaRPr kumimoji="1" lang="ja-JP" altLang="en-US"/>
           </a:p>
@@ -3207,7 +3206,7 @@
           <a:p>
             <a:fld id="{F96F4559-21F4-4D67-969C-E71FA03C574A}" type="datetimeFigureOut">
               <a:rPr kumimoji="1" lang="ja-JP" altLang="en-US" smtClean="0"/>
-              <a:t>2025/2/23</a:t>
+              <a:t>2025/3/23</a:t>
             </a:fld>
             <a:endParaRPr kumimoji="1" lang="ja-JP" altLang="en-US"/>
           </a:p>
@@ -3626,540 +3625,6 @@
       </p:grpSpPr>
       <p:pic>
         <p:nvPicPr>
-          <p:cNvPr id="3" name="図 2">
-            <a:extLst>
-              <a:ext uri="{FF2B5EF4-FFF2-40B4-BE49-F238E27FC236}">
-                <a16:creationId xmlns:a16="http://schemas.microsoft.com/office/drawing/2014/main" id="{AF924BDF-4B07-C857-C076-C1661E91111A}"/>
-              </a:ext>
-            </a:extLst>
-          </p:cNvPr>
-          <p:cNvPicPr>
-            <a:picLocks noChangeAspect="1"/>
-          </p:cNvPicPr>
-          <p:nvPr/>
-        </p:nvPicPr>
-        <p:blipFill>
-          <a:blip r:embed="rId2">
-            <a:extLst>
-              <a:ext uri="{28A0092B-C50C-407E-A947-70E740481C1C}">
-                <a14:useLocalDpi xmlns:a14="http://schemas.microsoft.com/office/drawing/2010/main" val="0"/>
-              </a:ext>
-            </a:extLst>
-          </a:blip>
-          <a:srcRect l="44723" r="4399" b="2985"/>
-          <a:stretch/>
-        </p:blipFill>
-        <p:spPr>
-          <a:xfrm>
-            <a:off x="5779640" y="0"/>
-            <a:ext cx="6329233" cy="6788727"/>
-          </a:xfrm>
-          <a:prstGeom prst="rect">
-            <a:avLst/>
-          </a:prstGeom>
-        </p:spPr>
-      </p:pic>
-      <p:sp>
-        <p:nvSpPr>
-          <p:cNvPr id="4" name="四角形: 角を丸くする 3">
-            <a:extLst>
-              <a:ext uri="{FF2B5EF4-FFF2-40B4-BE49-F238E27FC236}">
-                <a16:creationId xmlns:a16="http://schemas.microsoft.com/office/drawing/2014/main" id="{BDAD9B48-AF7E-60D1-4206-659E77D7F9FF}"/>
-              </a:ext>
-            </a:extLst>
-          </p:cNvPr>
-          <p:cNvSpPr/>
-          <p:nvPr/>
-        </p:nvSpPr>
-        <p:spPr>
-          <a:xfrm>
-            <a:off x="884396" y="2978727"/>
-            <a:ext cx="5380154" cy="2017111"/>
-          </a:xfrm>
-          <a:prstGeom prst="roundRect">
-            <a:avLst/>
-          </a:prstGeom>
-          <a:solidFill>
-            <a:srgbClr val="FF99FF">
-              <a:alpha val="34118"/>
-            </a:srgbClr>
-          </a:solidFill>
-          <a:ln>
-            <a:noFill/>
-          </a:ln>
-        </p:spPr>
-        <p:style>
-          <a:lnRef idx="2">
-            <a:schemeClr val="accent1">
-              <a:shade val="15000"/>
-            </a:schemeClr>
-          </a:lnRef>
-          <a:fillRef idx="1">
-            <a:schemeClr val="accent1"/>
-          </a:fillRef>
-          <a:effectRef idx="0">
-            <a:schemeClr val="accent1"/>
-          </a:effectRef>
-          <a:fontRef idx="minor">
-            <a:schemeClr val="lt1"/>
-          </a:fontRef>
-        </p:style>
-        <p:txBody>
-          <a:bodyPr rtlCol="0" anchor="ctr"/>
-          <a:lstStyle/>
-          <a:p>
-            <a:pPr algn="ctr"/>
-            <a:endParaRPr kumimoji="1" lang="ja-JP" altLang="en-US"/>
-          </a:p>
-        </p:txBody>
-      </p:sp>
-      <p:sp>
-        <p:nvSpPr>
-          <p:cNvPr id="5" name="テキスト ボックス 4">
-            <a:extLst>
-              <a:ext uri="{FF2B5EF4-FFF2-40B4-BE49-F238E27FC236}">
-                <a16:creationId xmlns:a16="http://schemas.microsoft.com/office/drawing/2014/main" id="{96AE1693-1BEB-2E6C-00BD-9BC226E966BA}"/>
-              </a:ext>
-            </a:extLst>
-          </p:cNvPr>
-          <p:cNvSpPr txBox="1"/>
-          <p:nvPr/>
-        </p:nvSpPr>
-        <p:spPr>
-          <a:xfrm>
-            <a:off x="1010840" y="5111840"/>
-            <a:ext cx="5127263" cy="400110"/>
-          </a:xfrm>
-          <a:prstGeom prst="rect">
-            <a:avLst/>
-          </a:prstGeom>
-          <a:noFill/>
-        </p:spPr>
-        <p:txBody>
-          <a:bodyPr wrap="square" rtlCol="0">
-            <a:spAutoFit/>
-          </a:bodyPr>
-          <a:lstStyle/>
-          <a:p>
-            <a:pPr algn="ctr"/>
-            <a:r>
-              <a:rPr lang="ja-JP" altLang="en-US" sz="2000" dirty="0">
-                <a:latin typeface="ＭＳ ゴシック" panose="020B0609070205080204" pitchFamily="49" charset="-128"/>
-                <a:ea typeface="ＭＳ ゴシック" panose="020B0609070205080204" pitchFamily="49" charset="-128"/>
-              </a:rPr>
-              <a:t>最高なイラストでございました！あざす！</a:t>
-            </a:r>
-            <a:endParaRPr kumimoji="1" lang="ja-JP" altLang="en-US" sz="2000" dirty="0">
-              <a:latin typeface="ＭＳ ゴシック" panose="020B0609070205080204" pitchFamily="49" charset="-128"/>
-              <a:ea typeface="ＭＳ ゴシック" panose="020B0609070205080204" pitchFamily="49" charset="-128"/>
-            </a:endParaRPr>
-          </a:p>
-        </p:txBody>
-      </p:sp>
-      <p:pic>
-        <p:nvPicPr>
-          <p:cNvPr id="7" name="図 6" descr="挿絵 が含まれている画像&#10;&#10;AI によって生成されたコンテンツは間違っている可能性があります。">
-            <a:extLst>
-              <a:ext uri="{FF2B5EF4-FFF2-40B4-BE49-F238E27FC236}">
-                <a16:creationId xmlns:a16="http://schemas.microsoft.com/office/drawing/2014/main" id="{EACAA945-FDA5-1665-20D1-7BEC356F5F27}"/>
-              </a:ext>
-            </a:extLst>
-          </p:cNvPr>
-          <p:cNvPicPr>
-            <a:picLocks noChangeAspect="1"/>
-          </p:cNvPicPr>
-          <p:nvPr/>
-        </p:nvPicPr>
-        <p:blipFill>
-          <a:blip r:embed="rId3">
-            <a:extLst>
-              <a:ext uri="{28A0092B-C50C-407E-A947-70E740481C1C}">
-                <a14:useLocalDpi xmlns:a14="http://schemas.microsoft.com/office/drawing/2010/main" val="0"/>
-              </a:ext>
-            </a:extLst>
-          </a:blip>
-          <a:stretch>
-            <a:fillRect/>
-          </a:stretch>
-        </p:blipFill>
-        <p:spPr>
-          <a:xfrm>
-            <a:off x="2497715" y="2105074"/>
-            <a:ext cx="2153515" cy="1212565"/>
-          </a:xfrm>
-          <a:prstGeom prst="rect">
-            <a:avLst/>
-          </a:prstGeom>
-        </p:spPr>
-      </p:pic>
-      <p:sp>
-        <p:nvSpPr>
-          <p:cNvPr id="8" name="テキスト ボックス 7">
-            <a:extLst>
-              <a:ext uri="{FF2B5EF4-FFF2-40B4-BE49-F238E27FC236}">
-                <a16:creationId xmlns:a16="http://schemas.microsoft.com/office/drawing/2014/main" id="{7E4CB9E2-64AC-4584-1A38-7E5CD8EB018E}"/>
-              </a:ext>
-            </a:extLst>
-          </p:cNvPr>
-          <p:cNvSpPr txBox="1"/>
-          <p:nvPr/>
-        </p:nvSpPr>
-        <p:spPr>
-          <a:xfrm>
-            <a:off x="1152783" y="3294784"/>
-            <a:ext cx="5063837" cy="1384995"/>
-          </a:xfrm>
-          <a:prstGeom prst="rect">
-            <a:avLst/>
-          </a:prstGeom>
-          <a:noFill/>
-        </p:spPr>
-        <p:txBody>
-          <a:bodyPr wrap="square" rtlCol="0">
-            <a:spAutoFit/>
-          </a:bodyPr>
-          <a:lstStyle/>
-          <a:p>
-            <a:r>
-              <a:rPr kumimoji="1" lang="en-US" altLang="ja-JP" sz="2800" dirty="0" err="1">
-                <a:latin typeface="BIZ UDゴシック" panose="020B0400000000000000" pitchFamily="49" charset="-128"/>
-                <a:ea typeface="BIZ UDゴシック" panose="020B0400000000000000" pitchFamily="49" charset="-128"/>
-              </a:rPr>
-              <a:t>Ms.Kokomi</a:t>
-            </a:r>
-            <a:endParaRPr kumimoji="1" lang="en-US" altLang="ja-JP" sz="2800" dirty="0">
-              <a:latin typeface="BIZ UDゴシック" panose="020B0400000000000000" pitchFamily="49" charset="-128"/>
-              <a:ea typeface="BIZ UDゴシック" panose="020B0400000000000000" pitchFamily="49" charset="-128"/>
-            </a:endParaRPr>
-          </a:p>
-          <a:p>
-            <a:r>
-              <a:rPr kumimoji="1" lang="en-US" altLang="ja-JP" sz="2800" dirty="0">
-                <a:latin typeface="BIZ UDゴシック" panose="020B0400000000000000" pitchFamily="49" charset="-128"/>
-                <a:ea typeface="BIZ UDゴシック" panose="020B0400000000000000" pitchFamily="49" charset="-128"/>
-              </a:rPr>
-              <a:t>I sincerely appreciate your interest and support.</a:t>
-            </a:r>
-            <a:endParaRPr kumimoji="1" lang="ja-JP" altLang="en-US" sz="2800" dirty="0">
-              <a:latin typeface="BIZ UDゴシック" panose="020B0400000000000000" pitchFamily="49" charset="-128"/>
-              <a:ea typeface="BIZ UDゴシック" panose="020B0400000000000000" pitchFamily="49" charset="-128"/>
-            </a:endParaRPr>
-          </a:p>
-        </p:txBody>
-      </p:sp>
-    </p:spTree>
-    <p:extLst>
-      <p:ext uri="{BB962C8B-B14F-4D97-AF65-F5344CB8AC3E}">
-        <p14:creationId xmlns:p14="http://schemas.microsoft.com/office/powerpoint/2010/main" val="2981470037"/>
-      </p:ext>
-    </p:extLst>
-  </p:cSld>
-  <p:clrMapOvr>
-    <a:masterClrMapping/>
-  </p:clrMapOvr>
-</p:sld>
-</file>
-
-<file path=ppt/slides/slide10.xml><?xml version="1.0" encoding="utf-8"?>
-<p:sld xmlns:a="http://schemas.openxmlformats.org/drawingml/2006/main" xmlns:r="http://schemas.openxmlformats.org/officeDocument/2006/relationships" xmlns:p="http://schemas.openxmlformats.org/presentationml/2006/main">
-  <p:cSld>
-    <p:spTree>
-      <p:nvGrpSpPr>
-        <p:cNvPr id="1" name=""/>
-        <p:cNvGrpSpPr/>
-        <p:nvPr/>
-      </p:nvGrpSpPr>
-      <p:grpSpPr>
-        <a:xfrm>
-          <a:off x="0" y="0"/>
-          <a:ext cx="0" cy="0"/>
-          <a:chOff x="0" y="0"/>
-          <a:chExt cx="0" cy="0"/>
-        </a:xfrm>
-      </p:grpSpPr>
-      <p:pic>
-        <p:nvPicPr>
-          <p:cNvPr id="5" name="図 4" descr="猫 が含まれている画像&#10;&#10;AI によって生成されたコンテンツは間違っている可能性があります。">
-            <a:extLst>
-              <a:ext uri="{FF2B5EF4-FFF2-40B4-BE49-F238E27FC236}">
-                <a16:creationId xmlns:a16="http://schemas.microsoft.com/office/drawing/2014/main" id="{DEAEA710-D078-BC4D-3C52-91164D17F7F3}"/>
-              </a:ext>
-            </a:extLst>
-          </p:cNvPr>
-          <p:cNvPicPr>
-            <a:picLocks noChangeAspect="1"/>
-          </p:cNvPicPr>
-          <p:nvPr/>
-        </p:nvPicPr>
-        <p:blipFill>
-          <a:blip r:embed="rId2">
-            <a:extLst>
-              <a:ext uri="{28A0092B-C50C-407E-A947-70E740481C1C}">
-                <a14:useLocalDpi xmlns:a14="http://schemas.microsoft.com/office/drawing/2010/main" val="0"/>
-              </a:ext>
-            </a:extLst>
-          </a:blip>
-          <a:stretch>
-            <a:fillRect/>
-          </a:stretch>
-        </p:blipFill>
-        <p:spPr>
-          <a:xfrm>
-            <a:off x="4228770" y="2097565"/>
-            <a:ext cx="2721059" cy="2662869"/>
-          </a:xfrm>
-          <a:prstGeom prst="rect">
-            <a:avLst/>
-          </a:prstGeom>
-        </p:spPr>
-      </p:pic>
-      <p:sp>
-        <p:nvSpPr>
-          <p:cNvPr id="6" name="正方形/長方形 5">
-            <a:extLst>
-              <a:ext uri="{FF2B5EF4-FFF2-40B4-BE49-F238E27FC236}">
-                <a16:creationId xmlns:a16="http://schemas.microsoft.com/office/drawing/2014/main" id="{2A12409D-31D1-9A15-777E-58FA8D97AA16}"/>
-              </a:ext>
-            </a:extLst>
-          </p:cNvPr>
-          <p:cNvSpPr/>
-          <p:nvPr/>
-        </p:nvSpPr>
-        <p:spPr>
-          <a:xfrm>
-            <a:off x="4084349" y="1924049"/>
-            <a:ext cx="3009900" cy="3009900"/>
-          </a:xfrm>
-          <a:prstGeom prst="rect">
-            <a:avLst/>
-          </a:prstGeom>
-          <a:noFill/>
-          <a:ln>
-            <a:noFill/>
-          </a:ln>
-        </p:spPr>
-        <p:style>
-          <a:lnRef idx="2">
-            <a:schemeClr val="accent1">
-              <a:shade val="15000"/>
-            </a:schemeClr>
-          </a:lnRef>
-          <a:fillRef idx="1">
-            <a:schemeClr val="accent1"/>
-          </a:fillRef>
-          <a:effectRef idx="0">
-            <a:schemeClr val="accent1"/>
-          </a:effectRef>
-          <a:fontRef idx="minor">
-            <a:schemeClr val="lt1"/>
-          </a:fontRef>
-        </p:style>
-        <p:txBody>
-          <a:bodyPr rtlCol="0" anchor="ctr"/>
-          <a:lstStyle/>
-          <a:p>
-            <a:pPr algn="ctr"/>
-            <a:endParaRPr kumimoji="1" lang="ja-JP" altLang="en-US"/>
-          </a:p>
-        </p:txBody>
-      </p:sp>
-    </p:spTree>
-    <p:extLst>
-      <p:ext uri="{BB962C8B-B14F-4D97-AF65-F5344CB8AC3E}">
-        <p14:creationId xmlns:p14="http://schemas.microsoft.com/office/powerpoint/2010/main" val="2007461034"/>
-      </p:ext>
-    </p:extLst>
-  </p:cSld>
-  <p:clrMapOvr>
-    <a:masterClrMapping/>
-  </p:clrMapOvr>
-</p:sld>
-</file>
-
-<file path=ppt/slides/slide11.xml><?xml version="1.0" encoding="utf-8"?>
-<p:sld xmlns:a="http://schemas.openxmlformats.org/drawingml/2006/main" xmlns:r="http://schemas.openxmlformats.org/officeDocument/2006/relationships" xmlns:p="http://schemas.openxmlformats.org/presentationml/2006/main">
-  <p:cSld>
-    <p:spTree>
-      <p:nvGrpSpPr>
-        <p:cNvPr id="1" name=""/>
-        <p:cNvGrpSpPr/>
-        <p:nvPr/>
-      </p:nvGrpSpPr>
-      <p:grpSpPr>
-        <a:xfrm>
-          <a:off x="0" y="0"/>
-          <a:ext cx="0" cy="0"/>
-          <a:chOff x="0" y="0"/>
-          <a:chExt cx="0" cy="0"/>
-        </a:xfrm>
-      </p:grpSpPr>
-      <p:sp>
-        <p:nvSpPr>
-          <p:cNvPr id="3" name="テキスト ボックス 2">
-            <a:extLst>
-              <a:ext uri="{FF2B5EF4-FFF2-40B4-BE49-F238E27FC236}">
-                <a16:creationId xmlns:a16="http://schemas.microsoft.com/office/drawing/2014/main" id="{CA99B694-513F-2848-E9FD-D7D1864DFBEF}"/>
-              </a:ext>
-            </a:extLst>
-          </p:cNvPr>
-          <p:cNvSpPr txBox="1"/>
-          <p:nvPr/>
-        </p:nvSpPr>
-        <p:spPr>
-          <a:xfrm>
-            <a:off x="976747" y="2622141"/>
-            <a:ext cx="2722418" cy="3154710"/>
-          </a:xfrm>
-          <a:prstGeom prst="rect">
-            <a:avLst/>
-          </a:prstGeom>
-          <a:noFill/>
-        </p:spPr>
-        <p:txBody>
-          <a:bodyPr wrap="square">
-            <a:spAutoFit/>
-          </a:bodyPr>
-          <a:lstStyle/>
-          <a:p>
-            <a:r>
-              <a:rPr kumimoji="1" lang="ja-JP" altLang="en-US" sz="19900" b="0" i="0" u="none" strike="noStrike" kern="1200" cap="none" spc="0" normalizeH="0" baseline="0" noProof="0" dirty="0">
-                <a:ln>
-                  <a:noFill/>
-                </a:ln>
-                <a:solidFill>
-                  <a:schemeClr val="tx2"/>
-                </a:solidFill>
-                <a:effectLst/>
-                <a:uLnTx/>
-                <a:uFillTx/>
-                <a:latin typeface="Yuji Syuku" panose="020B0600000000000000" pitchFamily="50" charset="-128"/>
-                <a:ea typeface="Yuji Syuku" panose="020B0600000000000000" pitchFamily="50" charset="-128"/>
-                <a:cs typeface="ADLaM Display" panose="020F0502020204030204" pitchFamily="2" charset="0"/>
-              </a:rPr>
-              <a:t>柔</a:t>
-            </a:r>
-            <a:endParaRPr lang="ja-JP" altLang="en-US" sz="4000" dirty="0">
-              <a:solidFill>
-                <a:schemeClr val="tx2"/>
-              </a:solidFill>
-            </a:endParaRPr>
-          </a:p>
-        </p:txBody>
-      </p:sp>
-      <p:sp>
-        <p:nvSpPr>
-          <p:cNvPr id="5" name="楕円 4">
-            <a:extLst>
-              <a:ext uri="{FF2B5EF4-FFF2-40B4-BE49-F238E27FC236}">
-                <a16:creationId xmlns:a16="http://schemas.microsoft.com/office/drawing/2014/main" id="{D60FC0D9-B58D-8275-D436-830577346389}"/>
-              </a:ext>
-            </a:extLst>
-          </p:cNvPr>
-          <p:cNvSpPr/>
-          <p:nvPr/>
-        </p:nvSpPr>
-        <p:spPr>
-          <a:xfrm>
-            <a:off x="2050474" y="117764"/>
-            <a:ext cx="3151908" cy="3151908"/>
-          </a:xfrm>
-          <a:prstGeom prst="ellipse">
-            <a:avLst/>
-          </a:prstGeom>
-          <a:noFill/>
-        </p:spPr>
-        <p:style>
-          <a:lnRef idx="2">
-            <a:schemeClr val="accent1">
-              <a:shade val="15000"/>
-            </a:schemeClr>
-          </a:lnRef>
-          <a:fillRef idx="1">
-            <a:schemeClr val="accent1"/>
-          </a:fillRef>
-          <a:effectRef idx="0">
-            <a:schemeClr val="accent1"/>
-          </a:effectRef>
-          <a:fontRef idx="minor">
-            <a:schemeClr val="lt1"/>
-          </a:fontRef>
-        </p:style>
-        <p:txBody>
-          <a:bodyPr rtlCol="0" anchor="ctr"/>
-          <a:lstStyle/>
-          <a:p>
-            <a:pPr algn="ctr"/>
-            <a:endParaRPr kumimoji="1" lang="ja-JP" altLang="en-US"/>
-          </a:p>
-        </p:txBody>
-      </p:sp>
-      <p:pic>
-        <p:nvPicPr>
-          <p:cNvPr id="4" name="図 3" descr="猫のアニメ&#10;&#10;AI によって生成されたコンテンツは間違っている可能性があります。">
-            <a:extLst>
-              <a:ext uri="{FF2B5EF4-FFF2-40B4-BE49-F238E27FC236}">
-                <a16:creationId xmlns:a16="http://schemas.microsoft.com/office/drawing/2014/main" id="{C0AB82D5-190C-653A-4DA1-97E8A07E4123}"/>
-              </a:ext>
-            </a:extLst>
-          </p:cNvPr>
-          <p:cNvPicPr>
-            <a:picLocks noChangeAspect="1"/>
-          </p:cNvPicPr>
-          <p:nvPr/>
-        </p:nvPicPr>
-        <p:blipFill>
-          <a:blip r:embed="rId2">
-            <a:extLst>
-              <a:ext uri="{28A0092B-C50C-407E-A947-70E740481C1C}">
-                <a14:useLocalDpi xmlns:a14="http://schemas.microsoft.com/office/drawing/2010/main" val="0"/>
-              </a:ext>
-            </a:extLst>
-          </a:blip>
-          <a:srcRect l="3737" t="11359" r="17754" b="35302"/>
-          <a:stretch/>
-        </p:blipFill>
-        <p:spPr>
-          <a:xfrm>
-            <a:off x="5853548" y="1281544"/>
-            <a:ext cx="3497136" cy="3245755"/>
-          </a:xfrm>
-          <a:prstGeom prst="ellipse">
-            <a:avLst/>
-          </a:prstGeom>
-        </p:spPr>
-      </p:pic>
-    </p:spTree>
-    <p:extLst>
-      <p:ext uri="{BB962C8B-B14F-4D97-AF65-F5344CB8AC3E}">
-        <p14:creationId xmlns:p14="http://schemas.microsoft.com/office/powerpoint/2010/main" val="1874920690"/>
-      </p:ext>
-    </p:extLst>
-  </p:cSld>
-  <p:clrMapOvr>
-    <a:masterClrMapping/>
-  </p:clrMapOvr>
-</p:sld>
-</file>
-
-<file path=ppt/slides/slide2.xml><?xml version="1.0" encoding="utf-8"?>
-<p:sld xmlns:a="http://schemas.openxmlformats.org/drawingml/2006/main" xmlns:r="http://schemas.openxmlformats.org/officeDocument/2006/relationships" xmlns:p="http://schemas.openxmlformats.org/presentationml/2006/main">
-  <p:cSld>
-    <p:spTree>
-      <p:nvGrpSpPr>
-        <p:cNvPr id="1" name=""/>
-        <p:cNvGrpSpPr/>
-        <p:nvPr/>
-      </p:nvGrpSpPr>
-      <p:grpSpPr>
-        <a:xfrm>
-          <a:off x="0" y="0"/>
-          <a:ext cx="0" cy="0"/>
-          <a:chOff x="0" y="0"/>
-          <a:chExt cx="0" cy="0"/>
-        </a:xfrm>
-      </p:grpSpPr>
-      <p:pic>
-        <p:nvPicPr>
           <p:cNvPr id="2" name="図 1">
             <a:extLst>
               <a:ext uri="{FF2B5EF4-FFF2-40B4-BE49-F238E27FC236}">
@@ -4512,7 +3977,172 @@
 </p:sld>
 </file>
 
-<file path=ppt/slides/slide3.xml><?xml version="1.0" encoding="utf-8"?>
+<file path=ppt/slides/slide10.xml><?xml version="1.0" encoding="utf-8"?>
+<p:sld xmlns:a="http://schemas.openxmlformats.org/drawingml/2006/main" xmlns:r="http://schemas.openxmlformats.org/officeDocument/2006/relationships" xmlns:p="http://schemas.openxmlformats.org/presentationml/2006/main">
+  <p:cSld>
+    <p:spTree>
+      <p:nvGrpSpPr>
+        <p:cNvPr id="1" name=""/>
+        <p:cNvGrpSpPr/>
+        <p:nvPr/>
+      </p:nvGrpSpPr>
+      <p:grpSpPr>
+        <a:xfrm>
+          <a:off x="0" y="0"/>
+          <a:ext cx="0" cy="0"/>
+          <a:chOff x="0" y="0"/>
+          <a:chExt cx="0" cy="0"/>
+        </a:xfrm>
+      </p:grpSpPr>
+      <p:sp>
+        <p:nvSpPr>
+          <p:cNvPr id="3" name="テキスト ボックス 2">
+            <a:extLst>
+              <a:ext uri="{FF2B5EF4-FFF2-40B4-BE49-F238E27FC236}">
+                <a16:creationId xmlns:a16="http://schemas.microsoft.com/office/drawing/2014/main" id="{CA99B694-513F-2848-E9FD-D7D1864DFBEF}"/>
+              </a:ext>
+            </a:extLst>
+          </p:cNvPr>
+          <p:cNvSpPr txBox="1"/>
+          <p:nvPr/>
+        </p:nvSpPr>
+        <p:spPr>
+          <a:xfrm>
+            <a:off x="976747" y="2622141"/>
+            <a:ext cx="2722418" cy="3154710"/>
+          </a:xfrm>
+          <a:prstGeom prst="rect">
+            <a:avLst/>
+          </a:prstGeom>
+          <a:noFill/>
+        </p:spPr>
+        <p:txBody>
+          <a:bodyPr wrap="square">
+            <a:spAutoFit/>
+          </a:bodyPr>
+          <a:lstStyle/>
+          <a:p>
+            <a:r>
+              <a:rPr kumimoji="1" lang="ja-JP" altLang="en-US" sz="19900" b="0" i="0" u="none" strike="noStrike" kern="1200" cap="none" spc="0" normalizeH="0" baseline="0" noProof="0" dirty="0">
+                <a:ln>
+                  <a:noFill/>
+                </a:ln>
+                <a:solidFill>
+                  <a:schemeClr val="tx2"/>
+                </a:solidFill>
+                <a:effectLst/>
+                <a:uLnTx/>
+                <a:uFillTx/>
+                <a:latin typeface="Yuji Syuku" panose="020B0600000000000000" pitchFamily="50" charset="-128"/>
+                <a:ea typeface="Yuji Syuku" panose="020B0600000000000000" pitchFamily="50" charset="-128"/>
+                <a:cs typeface="ADLaM Display" panose="020F0502020204030204" pitchFamily="2" charset="0"/>
+              </a:rPr>
+              <a:t>柔</a:t>
+            </a:r>
+            <a:endParaRPr lang="ja-JP" altLang="en-US" sz="4000" dirty="0">
+              <a:solidFill>
+                <a:schemeClr val="tx2"/>
+              </a:solidFill>
+            </a:endParaRPr>
+          </a:p>
+        </p:txBody>
+      </p:sp>
+      <p:sp>
+        <p:nvSpPr>
+          <p:cNvPr id="5" name="楕円 4">
+            <a:extLst>
+              <a:ext uri="{FF2B5EF4-FFF2-40B4-BE49-F238E27FC236}">
+                <a16:creationId xmlns:a16="http://schemas.microsoft.com/office/drawing/2014/main" id="{D60FC0D9-B58D-8275-D436-830577346389}"/>
+              </a:ext>
+            </a:extLst>
+          </p:cNvPr>
+          <p:cNvSpPr/>
+          <p:nvPr/>
+        </p:nvSpPr>
+        <p:spPr>
+          <a:xfrm>
+            <a:off x="2050474" y="117764"/>
+            <a:ext cx="3151908" cy="3151908"/>
+          </a:xfrm>
+          <a:prstGeom prst="ellipse">
+            <a:avLst/>
+          </a:prstGeom>
+          <a:noFill/>
+        </p:spPr>
+        <p:style>
+          <a:lnRef idx="2">
+            <a:schemeClr val="accent1">
+              <a:shade val="15000"/>
+            </a:schemeClr>
+          </a:lnRef>
+          <a:fillRef idx="1">
+            <a:schemeClr val="accent1"/>
+          </a:fillRef>
+          <a:effectRef idx="0">
+            <a:schemeClr val="accent1"/>
+          </a:effectRef>
+          <a:fontRef idx="minor">
+            <a:schemeClr val="lt1"/>
+          </a:fontRef>
+        </p:style>
+        <p:txBody>
+          <a:bodyPr rtlCol="0" anchor="ctr"/>
+          <a:lstStyle/>
+          <a:p>
+            <a:pPr algn="ctr"/>
+            <a:endParaRPr kumimoji="1" lang="ja-JP" altLang="en-US"/>
+          </a:p>
+        </p:txBody>
+      </p:sp>
+      <p:pic>
+        <p:nvPicPr>
+          <p:cNvPr id="4" name="図 3" descr="猫のアニメ&#10;&#10;AI によって生成されたコンテンツは間違っている可能性があります。">
+            <a:extLst>
+              <a:ext uri="{FF2B5EF4-FFF2-40B4-BE49-F238E27FC236}">
+                <a16:creationId xmlns:a16="http://schemas.microsoft.com/office/drawing/2014/main" id="{C0AB82D5-190C-653A-4DA1-97E8A07E4123}"/>
+              </a:ext>
+            </a:extLst>
+          </p:cNvPr>
+          <p:cNvPicPr>
+            <a:picLocks noChangeAspect="1"/>
+          </p:cNvPicPr>
+          <p:nvPr/>
+        </p:nvPicPr>
+        <p:blipFill>
+          <a:blip r:embed="rId2">
+            <a:extLst>
+              <a:ext uri="{28A0092B-C50C-407E-A947-70E740481C1C}">
+                <a14:useLocalDpi xmlns:a14="http://schemas.microsoft.com/office/drawing/2010/main" val="0"/>
+              </a:ext>
+            </a:extLst>
+          </a:blip>
+          <a:srcRect l="3737" t="11359" r="17754" b="35302"/>
+          <a:stretch/>
+        </p:blipFill>
+        <p:spPr>
+          <a:xfrm>
+            <a:off x="5853548" y="1281544"/>
+            <a:ext cx="3497136" cy="3245755"/>
+          </a:xfrm>
+          <a:prstGeom prst="ellipse">
+            <a:avLst/>
+          </a:prstGeom>
+        </p:spPr>
+      </p:pic>
+    </p:spTree>
+    <p:extLst>
+      <p:ext uri="{BB962C8B-B14F-4D97-AF65-F5344CB8AC3E}">
+        <p14:creationId xmlns:p14="http://schemas.microsoft.com/office/powerpoint/2010/main" val="1874920690"/>
+      </p:ext>
+    </p:extLst>
+  </p:cSld>
+  <p:clrMapOvr>
+    <a:masterClrMapping/>
+  </p:clrMapOvr>
+</p:sld>
+</file>
+
+<file path=ppt/slides/slide2.xml><?xml version="1.0" encoding="utf-8"?>
 <p:sld xmlns:a="http://schemas.openxmlformats.org/drawingml/2006/main" xmlns:r="http://schemas.openxmlformats.org/officeDocument/2006/relationships" xmlns:p="http://schemas.openxmlformats.org/presentationml/2006/main">
   <p:cSld>
     <p:spTree>
@@ -4763,7 +4393,7 @@
 </p:sld>
 </file>
 
-<file path=ppt/slides/slide4.xml><?xml version="1.0" encoding="utf-8"?>
+<file path=ppt/slides/slide3.xml><?xml version="1.0" encoding="utf-8"?>
 <p:sld xmlns:a="http://schemas.openxmlformats.org/drawingml/2006/main" xmlns:r="http://schemas.openxmlformats.org/officeDocument/2006/relationships" xmlns:p="http://schemas.openxmlformats.org/presentationml/2006/main">
   <p:cSld>
     <p:spTree>
@@ -4823,7 +4453,7 @@
 </p:sld>
 </file>
 
-<file path=ppt/slides/slide5.xml><?xml version="1.0" encoding="utf-8"?>
+<file path=ppt/slides/slide4.xml><?xml version="1.0" encoding="utf-8"?>
 <p:sld xmlns:a="http://schemas.openxmlformats.org/drawingml/2006/main" xmlns:r="http://schemas.openxmlformats.org/officeDocument/2006/relationships" xmlns:p="http://schemas.openxmlformats.org/presentationml/2006/main">
   <p:cSld>
     <p:spTree>
@@ -5033,7 +4663,7 @@
 </p:sld>
 </file>
 
-<file path=ppt/slides/slide6.xml><?xml version="1.0" encoding="utf-8"?>
+<file path=ppt/slides/slide5.xml><?xml version="1.0" encoding="utf-8"?>
 <p:sld xmlns:a="http://schemas.openxmlformats.org/drawingml/2006/main" xmlns:r="http://schemas.openxmlformats.org/officeDocument/2006/relationships" xmlns:p="http://schemas.openxmlformats.org/presentationml/2006/main">
   <p:cSld>
     <p:spTree>
@@ -5239,7 +4869,7 @@
 </p:sld>
 </file>
 
-<file path=ppt/slides/slide7.xml><?xml version="1.0" encoding="utf-8"?>
+<file path=ppt/slides/slide6.xml><?xml version="1.0" encoding="utf-8"?>
 <p:sld xmlns:a="http://schemas.openxmlformats.org/drawingml/2006/main" xmlns:r="http://schemas.openxmlformats.org/officeDocument/2006/relationships" xmlns:p="http://schemas.openxmlformats.org/presentationml/2006/main">
   <p:cSld>
     <p:spTree>
@@ -5461,7 +5091,7 @@
 </p:sld>
 </file>
 
-<file path=ppt/slides/slide8.xml><?xml version="1.0" encoding="utf-8"?>
+<file path=ppt/slides/slide7.xml><?xml version="1.0" encoding="utf-8"?>
 <p:sld xmlns:a="http://schemas.openxmlformats.org/drawingml/2006/main" xmlns:r="http://schemas.openxmlformats.org/officeDocument/2006/relationships" xmlns:p="http://schemas.openxmlformats.org/presentationml/2006/main">
   <p:cSld>
     <p:spTree>
@@ -6105,7 +5735,7 @@
 </p:sld>
 </file>
 
-<file path=ppt/slides/slide9.xml><?xml version="1.0" encoding="utf-8"?>
+<file path=ppt/slides/slide8.xml><?xml version="1.0" encoding="utf-8"?>
 <p:sld xmlns:a="http://schemas.openxmlformats.org/drawingml/2006/main" xmlns:r="http://schemas.openxmlformats.org/officeDocument/2006/relationships" xmlns:p="http://schemas.openxmlformats.org/presentationml/2006/main">
   <p:cSld>
     <p:spTree>
@@ -6423,6 +6053,122 @@
     <p:extLst>
       <p:ext uri="{BB962C8B-B14F-4D97-AF65-F5344CB8AC3E}">
         <p14:creationId xmlns:p14="http://schemas.microsoft.com/office/powerpoint/2010/main" val="3315462232"/>
+      </p:ext>
+    </p:extLst>
+  </p:cSld>
+  <p:clrMapOvr>
+    <a:masterClrMapping/>
+  </p:clrMapOvr>
+</p:sld>
+</file>
+
+<file path=ppt/slides/slide9.xml><?xml version="1.0" encoding="utf-8"?>
+<p:sld xmlns:a="http://schemas.openxmlformats.org/drawingml/2006/main" xmlns:r="http://schemas.openxmlformats.org/officeDocument/2006/relationships" xmlns:p="http://schemas.openxmlformats.org/presentationml/2006/main">
+  <p:cSld>
+    <p:spTree>
+      <p:nvGrpSpPr>
+        <p:cNvPr id="1" name=""/>
+        <p:cNvGrpSpPr/>
+        <p:nvPr/>
+      </p:nvGrpSpPr>
+      <p:grpSpPr>
+        <a:xfrm>
+          <a:off x="0" y="0"/>
+          <a:ext cx="0" cy="0"/>
+          <a:chOff x="0" y="0"/>
+          <a:chExt cx="0" cy="0"/>
+        </a:xfrm>
+      </p:grpSpPr>
+      <p:pic>
+        <p:nvPicPr>
+          <p:cNvPr id="5" name="図 4" descr="猫 が含まれている画像&#10;&#10;AI によって生成されたコンテンツは間違っている可能性があります。">
+            <a:extLst>
+              <a:ext uri="{FF2B5EF4-FFF2-40B4-BE49-F238E27FC236}">
+                <a16:creationId xmlns:a16="http://schemas.microsoft.com/office/drawing/2014/main" id="{DEAEA710-D078-BC4D-3C52-91164D17F7F3}"/>
+              </a:ext>
+            </a:extLst>
+          </p:cNvPr>
+          <p:cNvPicPr>
+            <a:picLocks noChangeAspect="1"/>
+          </p:cNvPicPr>
+          <p:nvPr/>
+        </p:nvPicPr>
+        <p:blipFill>
+          <a:blip r:embed="rId2">
+            <a:extLst>
+              <a:ext uri="{28A0092B-C50C-407E-A947-70E740481C1C}">
+                <a14:useLocalDpi xmlns:a14="http://schemas.microsoft.com/office/drawing/2010/main" val="0"/>
+              </a:ext>
+            </a:extLst>
+          </a:blip>
+          <a:stretch>
+            <a:fillRect/>
+          </a:stretch>
+        </p:blipFill>
+        <p:spPr>
+          <a:xfrm>
+            <a:off x="4228770" y="2097565"/>
+            <a:ext cx="2721059" cy="2662869"/>
+          </a:xfrm>
+          <a:prstGeom prst="rect">
+            <a:avLst/>
+          </a:prstGeom>
+        </p:spPr>
+      </p:pic>
+      <p:sp>
+        <p:nvSpPr>
+          <p:cNvPr id="6" name="正方形/長方形 5">
+            <a:extLst>
+              <a:ext uri="{FF2B5EF4-FFF2-40B4-BE49-F238E27FC236}">
+                <a16:creationId xmlns:a16="http://schemas.microsoft.com/office/drawing/2014/main" id="{2A12409D-31D1-9A15-777E-58FA8D97AA16}"/>
+              </a:ext>
+            </a:extLst>
+          </p:cNvPr>
+          <p:cNvSpPr/>
+          <p:nvPr/>
+        </p:nvSpPr>
+        <p:spPr>
+          <a:xfrm>
+            <a:off x="4084349" y="1924049"/>
+            <a:ext cx="3009900" cy="3009900"/>
+          </a:xfrm>
+          <a:prstGeom prst="rect">
+            <a:avLst/>
+          </a:prstGeom>
+          <a:noFill/>
+          <a:ln>
+            <a:noFill/>
+          </a:ln>
+        </p:spPr>
+        <p:style>
+          <a:lnRef idx="2">
+            <a:schemeClr val="accent1">
+              <a:shade val="15000"/>
+            </a:schemeClr>
+          </a:lnRef>
+          <a:fillRef idx="1">
+            <a:schemeClr val="accent1"/>
+          </a:fillRef>
+          <a:effectRef idx="0">
+            <a:schemeClr val="accent1"/>
+          </a:effectRef>
+          <a:fontRef idx="minor">
+            <a:schemeClr val="lt1"/>
+          </a:fontRef>
+        </p:style>
+        <p:txBody>
+          <a:bodyPr rtlCol="0" anchor="ctr"/>
+          <a:lstStyle/>
+          <a:p>
+            <a:pPr algn="ctr"/>
+            <a:endParaRPr kumimoji="1" lang="ja-JP" altLang="en-US"/>
+          </a:p>
+        </p:txBody>
+      </p:sp>
+    </p:spTree>
+    <p:extLst>
+      <p:ext uri="{BB962C8B-B14F-4D97-AF65-F5344CB8AC3E}">
+        <p14:creationId xmlns:p14="http://schemas.microsoft.com/office/powerpoint/2010/main" val="2007461034"/>
       </p:ext>
     </p:extLst>
   </p:cSld>
